--- a/_book/plot/unnamed-chunk-60-1.pptx
+++ b/_book/plot/unnamed-chunk-60-1.pptx
@@ -3151,361 +3151,20 @@
         </p:sp>
         <p:sp>
           <p:nvSpPr>
-            <p:cNvPr id="4" name="pg4"/>
-            <p:cNvSpPr/>
-            <p:nvPr/>
-          </p:nvSpPr>
-          <p:spPr>
-            <a:xfrm>
-              <a:off x="5073232" y="1973107"/>
-              <a:ext cx="1808237" cy="2315419"/>
-            </a:xfrm>
-            <a:custGeom>
-              <a:avLst/>
-              <a:pathLst>
-                <a:path w="1808237" h="2315419">
-                  <a:moveTo>
-                    <a:pt x="0" y="1808317"/>
-                  </a:moveTo>
-                  <a:lnTo>
-                    <a:pt x="59853" y="1825803"/>
-                  </a:lnTo>
-                  <a:lnTo>
-                    <a:pt x="119707" y="1843289"/>
-                  </a:lnTo>
-                  <a:lnTo>
-                    <a:pt x="179561" y="1860776"/>
-                  </a:lnTo>
-                  <a:lnTo>
-                    <a:pt x="239415" y="1878262"/>
-                  </a:lnTo>
-                  <a:lnTo>
-                    <a:pt x="299268" y="1895748"/>
-                  </a:lnTo>
-                  <a:lnTo>
-                    <a:pt x="359122" y="1913235"/>
-                  </a:lnTo>
-                  <a:lnTo>
-                    <a:pt x="418976" y="1930721"/>
-                  </a:lnTo>
-                  <a:lnTo>
-                    <a:pt x="478830" y="1948207"/>
-                  </a:lnTo>
-                  <a:lnTo>
-                    <a:pt x="538683" y="1965693"/>
-                  </a:lnTo>
-                  <a:lnTo>
-                    <a:pt x="598537" y="1983180"/>
-                  </a:lnTo>
-                  <a:lnTo>
-                    <a:pt x="658391" y="2000666"/>
-                  </a:lnTo>
-                  <a:lnTo>
-                    <a:pt x="718245" y="2018152"/>
-                  </a:lnTo>
-                  <a:lnTo>
-                    <a:pt x="778098" y="2035638"/>
-                  </a:lnTo>
-                  <a:lnTo>
-                    <a:pt x="837952" y="2053125"/>
-                  </a:lnTo>
-                  <a:lnTo>
-                    <a:pt x="897806" y="2070611"/>
-                  </a:lnTo>
-                  <a:lnTo>
-                    <a:pt x="957660" y="2088097"/>
-                  </a:lnTo>
-                  <a:lnTo>
-                    <a:pt x="1017513" y="2105583"/>
-                  </a:lnTo>
-                  <a:lnTo>
-                    <a:pt x="1077367" y="2123070"/>
-                  </a:lnTo>
-                  <a:lnTo>
-                    <a:pt x="1137221" y="2140556"/>
-                  </a:lnTo>
-                  <a:lnTo>
-                    <a:pt x="1197075" y="2158042"/>
-                  </a:lnTo>
-                  <a:lnTo>
-                    <a:pt x="1256929" y="2175529"/>
-                  </a:lnTo>
-                  <a:lnTo>
-                    <a:pt x="1316782" y="2193015"/>
-                  </a:lnTo>
-                  <a:lnTo>
-                    <a:pt x="1376636" y="2210501"/>
-                  </a:lnTo>
-                  <a:lnTo>
-                    <a:pt x="1436490" y="2227987"/>
-                  </a:lnTo>
-                  <a:lnTo>
-                    <a:pt x="1496344" y="2245474"/>
-                  </a:lnTo>
-                  <a:lnTo>
-                    <a:pt x="1556197" y="2262960"/>
-                  </a:lnTo>
-                  <a:lnTo>
-                    <a:pt x="1616051" y="2280446"/>
-                  </a:lnTo>
-                  <a:lnTo>
-                    <a:pt x="1675905" y="2297932"/>
-                  </a:lnTo>
-                  <a:lnTo>
-                    <a:pt x="1735759" y="2315419"/>
-                  </a:lnTo>
-                  <a:lnTo>
-                    <a:pt x="1752151" y="2255504"/>
-                  </a:lnTo>
-                  <a:lnTo>
-                    <a:pt x="1766477" y="2195061"/>
-                  </a:lnTo>
-                  <a:lnTo>
-                    <a:pt x="1778717" y="2134162"/>
-                  </a:lnTo>
-                  <a:lnTo>
-                    <a:pt x="1788859" y="2072878"/>
-                  </a:lnTo>
-                  <a:lnTo>
-                    <a:pt x="1796890" y="2011282"/>
-                  </a:lnTo>
-                  <a:lnTo>
-                    <a:pt x="1802801" y="1949447"/>
-                  </a:lnTo>
-                  <a:lnTo>
-                    <a:pt x="1806585" y="1887445"/>
-                  </a:lnTo>
-                  <a:lnTo>
-                    <a:pt x="1808237" y="1825350"/>
-                  </a:lnTo>
-                  <a:lnTo>
-                    <a:pt x="1807755" y="1763234"/>
-                  </a:lnTo>
-                  <a:lnTo>
-                    <a:pt x="1805140" y="1701172"/>
-                  </a:lnTo>
-                  <a:lnTo>
-                    <a:pt x="1800395" y="1639237"/>
-                  </a:lnTo>
-                  <a:lnTo>
-                    <a:pt x="1793526" y="1577500"/>
-                  </a:lnTo>
-                  <a:lnTo>
-                    <a:pt x="1784540" y="1516036"/>
-                  </a:lnTo>
-                  <a:lnTo>
-                    <a:pt x="1773448" y="1454918"/>
-                  </a:lnTo>
-                  <a:lnTo>
-                    <a:pt x="1760264" y="1394216"/>
-                  </a:lnTo>
-                  <a:lnTo>
-                    <a:pt x="1745003" y="1334002"/>
-                  </a:lnTo>
-                  <a:lnTo>
-                    <a:pt x="1727683" y="1274349"/>
-                  </a:lnTo>
-                  <a:lnTo>
-                    <a:pt x="1708324" y="1215325"/>
-                  </a:lnTo>
-                  <a:lnTo>
-                    <a:pt x="1686949" y="1157001"/>
-                  </a:lnTo>
-                  <a:lnTo>
-                    <a:pt x="1663584" y="1099446"/>
-                  </a:lnTo>
-                  <a:lnTo>
-                    <a:pt x="1638256" y="1042727"/>
-                  </a:lnTo>
-                  <a:lnTo>
-                    <a:pt x="1610995" y="986912"/>
-                  </a:lnTo>
-                  <a:lnTo>
-                    <a:pt x="1581832" y="932065"/>
-                  </a:lnTo>
-                  <a:lnTo>
-                    <a:pt x="1550804" y="878253"/>
-                  </a:lnTo>
-                  <a:lnTo>
-                    <a:pt x="1517945" y="825538"/>
-                  </a:lnTo>
-                  <a:lnTo>
-                    <a:pt x="1483295" y="773983"/>
-                  </a:lnTo>
-                  <a:lnTo>
-                    <a:pt x="1446895" y="723649"/>
-                  </a:lnTo>
-                  <a:lnTo>
-                    <a:pt x="1408788" y="674594"/>
-                  </a:lnTo>
-                  <a:lnTo>
-                    <a:pt x="1369018" y="626877"/>
-                  </a:lnTo>
-                  <a:lnTo>
-                    <a:pt x="1327633" y="580554"/>
-                  </a:lnTo>
-                  <a:lnTo>
-                    <a:pt x="1284681" y="535680"/>
-                  </a:lnTo>
-                  <a:lnTo>
-                    <a:pt x="1240213" y="492307"/>
-                  </a:lnTo>
-                  <a:lnTo>
-                    <a:pt x="1194282" y="450487"/>
-                  </a:lnTo>
-                  <a:lnTo>
-                    <a:pt x="1146942" y="410270"/>
-                  </a:lnTo>
-                  <a:lnTo>
-                    <a:pt x="1098248" y="371702"/>
-                  </a:lnTo>
-                  <a:lnTo>
-                    <a:pt x="1048259" y="334830"/>
-                  </a:lnTo>
-                  <a:lnTo>
-                    <a:pt x="997032" y="299696"/>
-                  </a:lnTo>
-                  <a:lnTo>
-                    <a:pt x="944629" y="266342"/>
-                  </a:lnTo>
-                  <a:lnTo>
-                    <a:pt x="891112" y="234808"/>
-                  </a:lnTo>
-                  <a:lnTo>
-                    <a:pt x="836542" y="205130"/>
-                  </a:lnTo>
-                  <a:lnTo>
-                    <a:pt x="780986" y="177344"/>
-                  </a:lnTo>
-                  <a:lnTo>
-                    <a:pt x="724508" y="151483"/>
-                  </a:lnTo>
-                  <a:lnTo>
-                    <a:pt x="667176" y="127577"/>
-                  </a:lnTo>
-                  <a:lnTo>
-                    <a:pt x="609056" y="105654"/>
-                  </a:lnTo>
-                  <a:lnTo>
-                    <a:pt x="550217" y="85740"/>
-                  </a:lnTo>
-                  <a:lnTo>
-                    <a:pt x="490729" y="67858"/>
-                  </a:lnTo>
-                  <a:lnTo>
-                    <a:pt x="430663" y="52031"/>
-                  </a:lnTo>
-                  <a:lnTo>
-                    <a:pt x="370088" y="38275"/>
-                  </a:lnTo>
-                  <a:lnTo>
-                    <a:pt x="309076" y="26609"/>
-                  </a:lnTo>
-                  <a:lnTo>
-                    <a:pt x="247699" y="17045"/>
-                  </a:lnTo>
-                  <a:lnTo>
-                    <a:pt x="186031" y="9594"/>
-                  </a:lnTo>
-                  <a:lnTo>
-                    <a:pt x="124142" y="4266"/>
-                  </a:lnTo>
-                  <a:lnTo>
-                    <a:pt x="62108" y="1066"/>
-                  </a:lnTo>
-                  <a:lnTo>
-                    <a:pt x="0" y="0"/>
-                  </a:lnTo>
-                  <a:lnTo>
-                    <a:pt x="0" y="62355"/>
-                  </a:lnTo>
-                  <a:lnTo>
-                    <a:pt x="0" y="124711"/>
-                  </a:lnTo>
-                  <a:lnTo>
-                    <a:pt x="0" y="187067"/>
-                  </a:lnTo>
-                  <a:lnTo>
-                    <a:pt x="0" y="249423"/>
-                  </a:lnTo>
-                  <a:lnTo>
-                    <a:pt x="0" y="311778"/>
-                  </a:lnTo>
-                  <a:lnTo>
-                    <a:pt x="0" y="374134"/>
-                  </a:lnTo>
-                  <a:lnTo>
-                    <a:pt x="0" y="436490"/>
-                  </a:lnTo>
-                  <a:lnTo>
-                    <a:pt x="0" y="498846"/>
-                  </a:lnTo>
-                  <a:lnTo>
-                    <a:pt x="0" y="561201"/>
-                  </a:lnTo>
-                  <a:lnTo>
-                    <a:pt x="0" y="623557"/>
-                  </a:lnTo>
-                  <a:lnTo>
-                    <a:pt x="0" y="685913"/>
-                  </a:lnTo>
-                  <a:lnTo>
-                    <a:pt x="0" y="748269"/>
-                  </a:lnTo>
-                  <a:lnTo>
-                    <a:pt x="0" y="810625"/>
-                  </a:lnTo>
-                  <a:lnTo>
-                    <a:pt x="0" y="872980"/>
-                  </a:lnTo>
-                  <a:lnTo>
-                    <a:pt x="0" y="935336"/>
-                  </a:lnTo>
-                  <a:lnTo>
-                    <a:pt x="0" y="997692"/>
-                  </a:lnTo>
-                  <a:lnTo>
-                    <a:pt x="0" y="1060048"/>
-                  </a:lnTo>
-                  <a:lnTo>
-                    <a:pt x="0" y="1122403"/>
-                  </a:lnTo>
-                  <a:lnTo>
-                    <a:pt x="0" y="1184759"/>
-                  </a:lnTo>
-                  <a:lnTo>
-                    <a:pt x="0" y="1247115"/>
-                  </a:lnTo>
-                  <a:lnTo>
-                    <a:pt x="0" y="1309471"/>
-                  </a:lnTo>
-                  <a:lnTo>
-                    <a:pt x="0" y="1371827"/>
-                  </a:lnTo>
-                  <a:lnTo>
-                    <a:pt x="0" y="1434182"/>
-                  </a:lnTo>
-                  <a:lnTo>
-                    <a:pt x="0" y="1496538"/>
-                  </a:lnTo>
-                  <a:lnTo>
-                    <a:pt x="0" y="1558894"/>
-                  </a:lnTo>
-                  <a:lnTo>
-                    <a:pt x="0" y="1621250"/>
-                  </a:lnTo>
-                  <a:lnTo>
-                    <a:pt x="0" y="1683605"/>
-                  </a:lnTo>
-                  <a:lnTo>
-                    <a:pt x="0" y="1745961"/>
-                  </a:lnTo>
-                  <a:close/>
-                </a:path>
-              </a:pathLst>
-            </a:custGeom>
+            <p:cNvPr id="4" name="rc4"/>
+            <p:cNvSpPr/>
+            <p:nvPr/>
+          </p:nvSpPr>
+          <p:spPr>
+            <a:xfrm>
+              <a:off x="1691481" y="1521028"/>
+              <a:ext cx="7315199" cy="4520793"/>
+            </a:xfrm>
+            <a:prstGeom prst="rect">
+              <a:avLst/>
+            </a:prstGeom>
             <a:solidFill>
-              <a:srgbClr val="00BFC4">
+              <a:srgbClr val="FFFFFF">
                 <a:alpha val="100000"/>
               </a:srgbClr>
             </a:solidFill>
@@ -3527,595 +3186,60 @@
         </p:sp>
         <p:sp>
           <p:nvSpPr>
-            <p:cNvPr id="5" name="pg5"/>
-            <p:cNvSpPr/>
-            <p:nvPr/>
-          </p:nvSpPr>
-          <p:spPr>
-            <a:xfrm>
-              <a:off x="3264929" y="1973107"/>
-              <a:ext cx="3544062" cy="3616579"/>
+            <p:cNvPr id="5" name="rc5"/>
+            <p:cNvSpPr/>
+            <p:nvPr/>
+          </p:nvSpPr>
+          <p:spPr>
+            <a:xfrm>
+              <a:off x="2023549" y="1590617"/>
+              <a:ext cx="6913543" cy="4048310"/>
+            </a:xfrm>
+            <a:prstGeom prst="rect">
+              <a:avLst/>
+            </a:prstGeom>
+            <a:solidFill>
+              <a:srgbClr val="FFFFFF">
+                <a:alpha val="100000"/>
+              </a:srgbClr>
+            </a:solidFill>
+          </p:spPr>
+          <p:txBody>
+            <a:bodyPr/>
+            <a:lstStyle/>
+            <a:p/>
+          </p:txBody>
+        </p:sp>
+        <p:sp>
+          <p:nvSpPr>
+            <p:cNvPr id="6" name="pl6"/>
+            <p:cNvSpPr/>
+            <p:nvPr/>
+          </p:nvSpPr>
+          <p:spPr>
+            <a:xfrm>
+              <a:off x="3073422" y="1590617"/>
+              <a:ext cx="0" cy="4048310"/>
             </a:xfrm>
             <a:custGeom>
               <a:avLst/>
               <a:pathLst>
-                <a:path w="3544062" h="3616579">
+                <a:path w="0" h="4048310">
                   <a:moveTo>
-                    <a:pt x="1808303" y="1808317"/>
+                    <a:pt x="0" y="4048310"/>
                   </a:moveTo>
                   <a:lnTo>
-                    <a:pt x="1808303" y="1745961"/>
+                    <a:pt x="0" y="0"/>
                   </a:lnTo>
                   <a:lnTo>
-                    <a:pt x="1808303" y="1683605"/>
+                    <a:pt x="0" y="0"/>
                   </a:lnTo>
-                  <a:lnTo>
-                    <a:pt x="1808303" y="1621250"/>
-                  </a:lnTo>
-                  <a:lnTo>
-                    <a:pt x="1808303" y="1558894"/>
-                  </a:lnTo>
-                  <a:lnTo>
-                    <a:pt x="1808303" y="1496538"/>
-                  </a:lnTo>
-                  <a:lnTo>
-                    <a:pt x="1808303" y="1434182"/>
-                  </a:lnTo>
-                  <a:lnTo>
-                    <a:pt x="1808303" y="1371827"/>
-                  </a:lnTo>
-                  <a:lnTo>
-                    <a:pt x="1808303" y="1309471"/>
-                  </a:lnTo>
-                  <a:lnTo>
-                    <a:pt x="1808303" y="1247115"/>
-                  </a:lnTo>
-                  <a:lnTo>
-                    <a:pt x="1808303" y="1184759"/>
-                  </a:lnTo>
-                  <a:lnTo>
-                    <a:pt x="1808303" y="1122403"/>
-                  </a:lnTo>
-                  <a:lnTo>
-                    <a:pt x="1808303" y="1060048"/>
-                  </a:lnTo>
-                  <a:lnTo>
-                    <a:pt x="1808303" y="997692"/>
-                  </a:lnTo>
-                  <a:lnTo>
-                    <a:pt x="1808303" y="935336"/>
-                  </a:lnTo>
-                  <a:lnTo>
-                    <a:pt x="1808303" y="872980"/>
-                  </a:lnTo>
-                  <a:lnTo>
-                    <a:pt x="1808303" y="810625"/>
-                  </a:lnTo>
-                  <a:lnTo>
-                    <a:pt x="1808303" y="748269"/>
-                  </a:lnTo>
-                  <a:lnTo>
-                    <a:pt x="1808303" y="685913"/>
-                  </a:lnTo>
-                  <a:lnTo>
-                    <a:pt x="1808303" y="623557"/>
-                  </a:lnTo>
-                  <a:lnTo>
-                    <a:pt x="1808303" y="561201"/>
-                  </a:lnTo>
-                  <a:lnTo>
-                    <a:pt x="1808303" y="498846"/>
-                  </a:lnTo>
-                  <a:lnTo>
-                    <a:pt x="1808303" y="436490"/>
-                  </a:lnTo>
-                  <a:lnTo>
-                    <a:pt x="1808303" y="374134"/>
-                  </a:lnTo>
-                  <a:lnTo>
-                    <a:pt x="1808303" y="311778"/>
-                  </a:lnTo>
-                  <a:lnTo>
-                    <a:pt x="1808303" y="249423"/>
-                  </a:lnTo>
-                  <a:lnTo>
-                    <a:pt x="1808303" y="187067"/>
-                  </a:lnTo>
-                  <a:lnTo>
-                    <a:pt x="1808303" y="124711"/>
-                  </a:lnTo>
-                  <a:lnTo>
-                    <a:pt x="1808303" y="62355"/>
-                  </a:lnTo>
-                  <a:lnTo>
-                    <a:pt x="1808303" y="0"/>
-                  </a:lnTo>
-                  <a:lnTo>
-                    <a:pt x="1746719" y="1048"/>
-                  </a:lnTo>
-                  <a:lnTo>
-                    <a:pt x="1685206" y="4194"/>
-                  </a:lnTo>
-                  <a:lnTo>
-                    <a:pt x="1623836" y="9433"/>
-                  </a:lnTo>
-                  <a:lnTo>
-                    <a:pt x="1562680" y="16759"/>
-                  </a:lnTo>
-                  <a:lnTo>
-                    <a:pt x="1501809" y="26163"/>
-                  </a:lnTo>
-                  <a:lnTo>
-                    <a:pt x="1441294" y="37635"/>
-                  </a:lnTo>
-                  <a:lnTo>
-                    <a:pt x="1381204" y="51161"/>
-                  </a:lnTo>
-                  <a:lnTo>
-                    <a:pt x="1321610" y="66725"/>
-                  </a:lnTo>
-                  <a:lnTo>
-                    <a:pt x="1262580" y="84310"/>
-                  </a:lnTo>
-                  <a:lnTo>
-                    <a:pt x="1204184" y="103896"/>
-                  </a:lnTo>
-                  <a:lnTo>
-                    <a:pt x="1146488" y="125458"/>
-                  </a:lnTo>
-                  <a:lnTo>
-                    <a:pt x="1089561" y="148973"/>
-                  </a:lnTo>
-                  <a:lnTo>
-                    <a:pt x="1033467" y="174413"/>
-                  </a:lnTo>
-                  <a:lnTo>
-                    <a:pt x="978272" y="201749"/>
-                  </a:lnTo>
-                  <a:lnTo>
-                    <a:pt x="924040" y="230949"/>
-                  </a:lnTo>
-                  <a:lnTo>
-                    <a:pt x="870834" y="261978"/>
-                  </a:lnTo>
-                  <a:lnTo>
-                    <a:pt x="818715" y="294802"/>
-                  </a:lnTo>
-                  <a:lnTo>
-                    <a:pt x="767745" y="329381"/>
-                  </a:lnTo>
-                  <a:lnTo>
-                    <a:pt x="717982" y="365676"/>
-                  </a:lnTo>
-                  <a:lnTo>
-                    <a:pt x="669484" y="403645"/>
-                  </a:lnTo>
-                  <a:lnTo>
-                    <a:pt x="622307" y="443244"/>
-                  </a:lnTo>
-                  <a:lnTo>
-                    <a:pt x="576506" y="484426"/>
-                  </a:lnTo>
-                  <a:lnTo>
-                    <a:pt x="532133" y="527144"/>
-                  </a:lnTo>
-                  <a:lnTo>
-                    <a:pt x="489242" y="571349"/>
-                  </a:lnTo>
-                  <a:lnTo>
-                    <a:pt x="447881" y="616989"/>
-                  </a:lnTo>
-                  <a:lnTo>
-                    <a:pt x="408098" y="664010"/>
-                  </a:lnTo>
-                  <a:lnTo>
-                    <a:pt x="369940" y="712360"/>
-                  </a:lnTo>
-                  <a:lnTo>
-                    <a:pt x="333450" y="761980"/>
-                  </a:lnTo>
-                  <a:lnTo>
-                    <a:pt x="298671" y="812815"/>
-                  </a:lnTo>
-                  <a:lnTo>
-                    <a:pt x="265644" y="864805"/>
-                  </a:lnTo>
-                  <a:lnTo>
-                    <a:pt x="234407" y="917889"/>
-                  </a:lnTo>
-                  <a:lnTo>
-                    <a:pt x="204995" y="972006"/>
-                  </a:lnTo>
-                  <a:lnTo>
-                    <a:pt x="177444" y="1027094"/>
-                  </a:lnTo>
-                  <a:lnTo>
-                    <a:pt x="151784" y="1083088"/>
-                  </a:lnTo>
-                  <a:lnTo>
-                    <a:pt x="128047" y="1139923"/>
-                  </a:lnTo>
-                  <a:lnTo>
-                    <a:pt x="106259" y="1197534"/>
-                  </a:lnTo>
-                  <a:lnTo>
-                    <a:pt x="86445" y="1255853"/>
-                  </a:lnTo>
-                  <a:lnTo>
-                    <a:pt x="68629" y="1314813"/>
-                  </a:lnTo>
-                  <a:lnTo>
-                    <a:pt x="52831" y="1374346"/>
-                  </a:lnTo>
-                  <a:lnTo>
-                    <a:pt x="39070" y="1434382"/>
-                  </a:lnTo>
-                  <a:lnTo>
-                    <a:pt x="27362" y="1494852"/>
-                  </a:lnTo>
-                  <a:lnTo>
-                    <a:pt x="17719" y="1555686"/>
-                  </a:lnTo>
-                  <a:lnTo>
-                    <a:pt x="10155" y="1616813"/>
-                  </a:lnTo>
-                  <a:lnTo>
-                    <a:pt x="4676" y="1678162"/>
-                  </a:lnTo>
-                  <a:lnTo>
-                    <a:pt x="1289" y="1739662"/>
-                  </a:lnTo>
-                  <a:lnTo>
-                    <a:pt x="0" y="1801242"/>
-                  </a:lnTo>
-                  <a:lnTo>
-                    <a:pt x="808" y="1862830"/>
-                  </a:lnTo>
-                  <a:lnTo>
-                    <a:pt x="3712" y="1924354"/>
-                  </a:lnTo>
-                  <a:lnTo>
-                    <a:pt x="8711" y="1985744"/>
-                  </a:lnTo>
-                  <a:lnTo>
-                    <a:pt x="15797" y="2046928"/>
-                  </a:lnTo>
-                  <a:lnTo>
-                    <a:pt x="24963" y="2107836"/>
-                  </a:lnTo>
-                  <a:lnTo>
-                    <a:pt x="36198" y="2168396"/>
-                  </a:lnTo>
-                  <a:lnTo>
-                    <a:pt x="49489" y="2228538"/>
-                  </a:lnTo>
-                  <a:lnTo>
-                    <a:pt x="64820" y="2288192"/>
-                  </a:lnTo>
-                  <a:lnTo>
-                    <a:pt x="82175" y="2347290"/>
-                  </a:lnTo>
-                  <a:lnTo>
-                    <a:pt x="101531" y="2405763"/>
-                  </a:lnTo>
-                  <a:lnTo>
-                    <a:pt x="122868" y="2463542"/>
-                  </a:lnTo>
-                  <a:lnTo>
-                    <a:pt x="146160" y="2520561"/>
-                  </a:lnTo>
-                  <a:lnTo>
-                    <a:pt x="171380" y="2576754"/>
-                  </a:lnTo>
-                  <a:lnTo>
-                    <a:pt x="198500" y="2632056"/>
-                  </a:lnTo>
-                  <a:lnTo>
-                    <a:pt x="227487" y="2686402"/>
-                  </a:lnTo>
-                  <a:lnTo>
-                    <a:pt x="258308" y="2739729"/>
-                  </a:lnTo>
-                  <a:lnTo>
-                    <a:pt x="290928" y="2791975"/>
-                  </a:lnTo>
-                  <a:lnTo>
-                    <a:pt x="325307" y="2843081"/>
-                  </a:lnTo>
-                  <a:lnTo>
-                    <a:pt x="361408" y="2892985"/>
-                  </a:lnTo>
-                  <a:lnTo>
-                    <a:pt x="399187" y="2941632"/>
-                  </a:lnTo>
-                  <a:lnTo>
-                    <a:pt x="438600" y="2988963"/>
-                  </a:lnTo>
-                  <a:lnTo>
-                    <a:pt x="479603" y="3034925"/>
-                  </a:lnTo>
-                  <a:lnTo>
-                    <a:pt x="522147" y="3079464"/>
-                  </a:lnTo>
-                  <a:lnTo>
-                    <a:pt x="566184" y="3122528"/>
-                  </a:lnTo>
-                  <a:lnTo>
-                    <a:pt x="611661" y="3164068"/>
-                  </a:lnTo>
-                  <a:lnTo>
-                    <a:pt x="658527" y="3204034"/>
-                  </a:lnTo>
-                  <a:lnTo>
-                    <a:pt x="706726" y="3242381"/>
-                  </a:lnTo>
-                  <a:lnTo>
-                    <a:pt x="756204" y="3279065"/>
-                  </a:lnTo>
-                  <a:lnTo>
-                    <a:pt x="806902" y="3314042"/>
-                  </a:lnTo>
-                  <a:lnTo>
-                    <a:pt x="858762" y="3347273"/>
-                  </a:lnTo>
-                  <a:lnTo>
-                    <a:pt x="911724" y="3378717"/>
-                  </a:lnTo>
-                  <a:lnTo>
-                    <a:pt x="965726" y="3408341"/>
-                  </a:lnTo>
-                  <a:lnTo>
-                    <a:pt x="1020705" y="3436107"/>
-                  </a:lnTo>
-                  <a:lnTo>
-                    <a:pt x="1076598" y="3461986"/>
-                  </a:lnTo>
-                  <a:lnTo>
-                    <a:pt x="1133340" y="3485945"/>
-                  </a:lnTo>
-                  <a:lnTo>
-                    <a:pt x="1190865" y="3507959"/>
-                  </a:lnTo>
-                  <a:lnTo>
-                    <a:pt x="1249106" y="3528000"/>
-                  </a:lnTo>
-                  <a:lnTo>
-                    <a:pt x="1307997" y="3546047"/>
-                  </a:lnTo>
-                  <a:lnTo>
-                    <a:pt x="1367467" y="3562077"/>
-                  </a:lnTo>
-                  <a:lnTo>
-                    <a:pt x="1427449" y="3576073"/>
-                  </a:lnTo>
-                  <a:lnTo>
-                    <a:pt x="1487873" y="3588018"/>
-                  </a:lnTo>
-                  <a:lnTo>
-                    <a:pt x="1548668" y="3597898"/>
-                  </a:lnTo>
-                  <a:lnTo>
-                    <a:pt x="1609765" y="3605702"/>
-                  </a:lnTo>
-                  <a:lnTo>
-                    <a:pt x="1671092" y="3611421"/>
-                  </a:lnTo>
-                  <a:lnTo>
-                    <a:pt x="1732579" y="3615048"/>
-                  </a:lnTo>
-                  <a:lnTo>
-                    <a:pt x="1794153" y="3616579"/>
-                  </a:lnTo>
-                  <a:lnTo>
-                    <a:pt x="1855743" y="3616012"/>
-                  </a:lnTo>
-                  <a:lnTo>
-                    <a:pt x="1917279" y="3613348"/>
-                  </a:lnTo>
-                  <a:lnTo>
-                    <a:pt x="1978688" y="3608589"/>
-                  </a:lnTo>
-                  <a:lnTo>
-                    <a:pt x="2039899" y="3601742"/>
-                  </a:lnTo>
-                  <a:lnTo>
-                    <a:pt x="2100842" y="3592815"/>
-                  </a:lnTo>
-                  <a:lnTo>
-                    <a:pt x="2161445" y="3581817"/>
-                  </a:lnTo>
-                  <a:lnTo>
-                    <a:pt x="2221639" y="3568762"/>
-                  </a:lnTo>
-                  <a:lnTo>
-                    <a:pt x="2281353" y="3553664"/>
-                  </a:lnTo>
-                  <a:lnTo>
-                    <a:pt x="2340519" y="3536541"/>
-                  </a:lnTo>
-                  <a:lnTo>
-                    <a:pt x="2399066" y="3517413"/>
-                  </a:lnTo>
-                  <a:lnTo>
-                    <a:pt x="2456929" y="3496303"/>
-                  </a:lnTo>
-                  <a:lnTo>
-                    <a:pt x="2514039" y="3473234"/>
-                  </a:lnTo>
-                  <a:lnTo>
-                    <a:pt x="2570330" y="3448234"/>
-                  </a:lnTo>
-                  <a:lnTo>
-                    <a:pt x="2625737" y="3421331"/>
-                  </a:lnTo>
-                  <a:lnTo>
-                    <a:pt x="2680196" y="3392556"/>
-                  </a:lnTo>
-                  <a:lnTo>
-                    <a:pt x="2733643" y="3361944"/>
-                  </a:lnTo>
-                  <a:lnTo>
-                    <a:pt x="2786017" y="3329529"/>
-                  </a:lnTo>
-                  <a:lnTo>
-                    <a:pt x="2837256" y="3295350"/>
-                  </a:lnTo>
-                  <a:lnTo>
-                    <a:pt x="2887302" y="3259445"/>
-                  </a:lnTo>
-                  <a:lnTo>
-                    <a:pt x="2936096" y="3221857"/>
-                  </a:lnTo>
-                  <a:lnTo>
-                    <a:pt x="2983581" y="3182629"/>
-                  </a:lnTo>
-                  <a:lnTo>
-                    <a:pt x="3029703" y="3141806"/>
-                  </a:lnTo>
-                  <a:lnTo>
-                    <a:pt x="3074408" y="3099436"/>
-                  </a:lnTo>
-                  <a:lnTo>
-                    <a:pt x="3117644" y="3055569"/>
-                  </a:lnTo>
-                  <a:lnTo>
-                    <a:pt x="3159361" y="3010254"/>
-                  </a:lnTo>
-                  <a:lnTo>
-                    <a:pt x="3199511" y="2963545"/>
-                  </a:lnTo>
-                  <a:lnTo>
-                    <a:pt x="3238047" y="2915496"/>
-                  </a:lnTo>
-                  <a:lnTo>
-                    <a:pt x="3274923" y="2866162"/>
-                  </a:lnTo>
-                  <a:lnTo>
-                    <a:pt x="3310099" y="2815601"/>
-                  </a:lnTo>
-                  <a:lnTo>
-                    <a:pt x="3343532" y="2763872"/>
-                  </a:lnTo>
-                  <a:lnTo>
-                    <a:pt x="3375184" y="2711034"/>
-                  </a:lnTo>
-                  <a:lnTo>
-                    <a:pt x="3405018" y="2657148"/>
-                  </a:lnTo>
-                  <a:lnTo>
-                    <a:pt x="3432999" y="2602278"/>
-                  </a:lnTo>
-                  <a:lnTo>
-                    <a:pt x="3459096" y="2546486"/>
-                  </a:lnTo>
-                  <a:lnTo>
-                    <a:pt x="3483278" y="2489839"/>
-                  </a:lnTo>
-                  <a:lnTo>
-                    <a:pt x="3505516" y="2432400"/>
-                  </a:lnTo>
-                  <a:lnTo>
-                    <a:pt x="3525785" y="2374238"/>
-                  </a:lnTo>
-                  <a:lnTo>
-                    <a:pt x="3544062" y="2315419"/>
-                  </a:lnTo>
-                  <a:lnTo>
-                    <a:pt x="3484208" y="2297932"/>
-                  </a:lnTo>
-                  <a:lnTo>
-                    <a:pt x="3424355" y="2280446"/>
-                  </a:lnTo>
-                  <a:lnTo>
-                    <a:pt x="3364501" y="2262960"/>
-                  </a:lnTo>
-                  <a:lnTo>
-                    <a:pt x="3304647" y="2245474"/>
-                  </a:lnTo>
-                  <a:lnTo>
-                    <a:pt x="3244793" y="2227987"/>
-                  </a:lnTo>
-                  <a:lnTo>
-                    <a:pt x="3184940" y="2210501"/>
-                  </a:lnTo>
-                  <a:lnTo>
-                    <a:pt x="3125086" y="2193015"/>
-                  </a:lnTo>
-                  <a:lnTo>
-                    <a:pt x="3065232" y="2175529"/>
-                  </a:lnTo>
-                  <a:lnTo>
-                    <a:pt x="3005378" y="2158042"/>
-                  </a:lnTo>
-                  <a:lnTo>
-                    <a:pt x="2945525" y="2140556"/>
-                  </a:lnTo>
-                  <a:lnTo>
-                    <a:pt x="2885671" y="2123070"/>
-                  </a:lnTo>
-                  <a:lnTo>
-                    <a:pt x="2825817" y="2105583"/>
-                  </a:lnTo>
-                  <a:lnTo>
-                    <a:pt x="2765963" y="2088097"/>
-                  </a:lnTo>
-                  <a:lnTo>
-                    <a:pt x="2706110" y="2070611"/>
-                  </a:lnTo>
-                  <a:lnTo>
-                    <a:pt x="2646256" y="2053125"/>
-                  </a:lnTo>
-                  <a:lnTo>
-                    <a:pt x="2586402" y="2035638"/>
-                  </a:lnTo>
-                  <a:lnTo>
-                    <a:pt x="2526548" y="2018152"/>
-                  </a:lnTo>
-                  <a:lnTo>
-                    <a:pt x="2466694" y="2000666"/>
-                  </a:lnTo>
-                  <a:lnTo>
-                    <a:pt x="2406841" y="1983180"/>
-                  </a:lnTo>
-                  <a:lnTo>
-                    <a:pt x="2346987" y="1965693"/>
-                  </a:lnTo>
-                  <a:lnTo>
-                    <a:pt x="2287133" y="1948207"/>
-                  </a:lnTo>
-                  <a:lnTo>
-                    <a:pt x="2227279" y="1930721"/>
-                  </a:lnTo>
-                  <a:lnTo>
-                    <a:pt x="2167426" y="1913235"/>
-                  </a:lnTo>
-                  <a:lnTo>
-                    <a:pt x="2107572" y="1895748"/>
-                  </a:lnTo>
-                  <a:lnTo>
-                    <a:pt x="2047718" y="1878262"/>
-                  </a:lnTo>
-                  <a:lnTo>
-                    <a:pt x="1987864" y="1860776"/>
-                  </a:lnTo>
-                  <a:lnTo>
-                    <a:pt x="1928011" y="1843289"/>
-                  </a:lnTo>
-                  <a:lnTo>
-                    <a:pt x="1868157" y="1825803"/>
-                  </a:lnTo>
-                  <a:close/>
                 </a:path>
               </a:pathLst>
             </a:custGeom>
-            <a:solidFill>
-              <a:srgbClr val="F8766D">
-                <a:alpha val="100000"/>
-              </a:srgbClr>
-            </a:solidFill>
-            <a:ln w="13550" cap="rnd">
+            <a:ln w="3387" cap="flat">
               <a:solidFill>
-                <a:srgbClr val="FFFFFF">
+                <a:srgbClr val="DEDEDE">
                   <a:alpha val="100000"/>
                 </a:srgbClr>
               </a:solidFill>
@@ -4131,14 +3255,824 @@
         </p:sp>
         <p:sp>
           <p:nvSpPr>
-            <p:cNvPr id="6" name="tx6"/>
-            <p:cNvSpPr/>
-            <p:nvPr/>
-          </p:nvSpPr>
-          <p:spPr>
-            <a:xfrm>
-              <a:off x="5601321" y="3177823"/>
-              <a:ext cx="409835" cy="109040"/>
+            <p:cNvPr id="7" name="pl7"/>
+            <p:cNvSpPr/>
+            <p:nvPr/>
+          </p:nvSpPr>
+          <p:spPr>
+            <a:xfrm>
+              <a:off x="5173169" y="1590617"/>
+              <a:ext cx="0" cy="4048310"/>
+            </a:xfrm>
+            <a:custGeom>
+              <a:avLst/>
+              <a:pathLst>
+                <a:path w="0" h="4048310">
+                  <a:moveTo>
+                    <a:pt x="0" y="4048310"/>
+                  </a:moveTo>
+                  <a:lnTo>
+                    <a:pt x="0" y="0"/>
+                  </a:lnTo>
+                  <a:lnTo>
+                    <a:pt x="0" y="0"/>
+                  </a:lnTo>
+                </a:path>
+              </a:pathLst>
+            </a:custGeom>
+            <a:ln w="3387" cap="flat">
+              <a:solidFill>
+                <a:srgbClr val="DEDEDE">
+                  <a:alpha val="100000"/>
+                </a:srgbClr>
+              </a:solidFill>
+              <a:prstDash val="solid"/>
+              <a:round/>
+            </a:ln>
+          </p:spPr>
+          <p:txBody>
+            <a:bodyPr/>
+            <a:lstStyle/>
+            <a:p/>
+          </p:txBody>
+        </p:sp>
+        <p:sp>
+          <p:nvSpPr>
+            <p:cNvPr id="8" name="pl8"/>
+            <p:cNvSpPr/>
+            <p:nvPr/>
+          </p:nvSpPr>
+          <p:spPr>
+            <a:xfrm>
+              <a:off x="7272916" y="1590617"/>
+              <a:ext cx="0" cy="4048310"/>
+            </a:xfrm>
+            <a:custGeom>
+              <a:avLst/>
+              <a:pathLst>
+                <a:path w="0" h="4048310">
+                  <a:moveTo>
+                    <a:pt x="0" y="4048310"/>
+                  </a:moveTo>
+                  <a:lnTo>
+                    <a:pt x="0" y="0"/>
+                  </a:lnTo>
+                  <a:lnTo>
+                    <a:pt x="0" y="0"/>
+                  </a:lnTo>
+                </a:path>
+              </a:pathLst>
+            </a:custGeom>
+            <a:ln w="3387" cap="flat">
+              <a:solidFill>
+                <a:srgbClr val="DEDEDE">
+                  <a:alpha val="100000"/>
+                </a:srgbClr>
+              </a:solidFill>
+              <a:prstDash val="solid"/>
+              <a:round/>
+            </a:ln>
+          </p:spPr>
+          <p:txBody>
+            <a:bodyPr/>
+            <a:lstStyle/>
+            <a:p/>
+          </p:txBody>
+        </p:sp>
+        <p:sp>
+          <p:nvSpPr>
+            <p:cNvPr id="9" name="pl9"/>
+            <p:cNvSpPr/>
+            <p:nvPr/>
+          </p:nvSpPr>
+          <p:spPr>
+            <a:xfrm>
+              <a:off x="2023549" y="5342710"/>
+              <a:ext cx="6913543" cy="0"/>
+            </a:xfrm>
+            <a:custGeom>
+              <a:avLst/>
+              <a:pathLst>
+                <a:path w="6913543" h="0">
+                  <a:moveTo>
+                    <a:pt x="0" y="0"/>
+                  </a:moveTo>
+                  <a:lnTo>
+                    <a:pt x="6913543" y="0"/>
+                  </a:lnTo>
+                  <a:lnTo>
+                    <a:pt x="6913543" y="0"/>
+                  </a:lnTo>
+                </a:path>
+              </a:pathLst>
+            </a:custGeom>
+            <a:ln w="6775" cap="flat">
+              <a:solidFill>
+                <a:srgbClr val="DEDEDE">
+                  <a:alpha val="100000"/>
+                </a:srgbClr>
+              </a:solidFill>
+              <a:prstDash val="solid"/>
+              <a:round/>
+            </a:ln>
+          </p:spPr>
+          <p:txBody>
+            <a:bodyPr/>
+            <a:lstStyle/>
+            <a:p/>
+          </p:txBody>
+        </p:sp>
+        <p:sp>
+          <p:nvSpPr>
+            <p:cNvPr id="10" name="pl10"/>
+            <p:cNvSpPr/>
+            <p:nvPr/>
+          </p:nvSpPr>
+          <p:spPr>
+            <a:xfrm>
+              <a:off x="2023549" y="4849013"/>
+              <a:ext cx="6913543" cy="0"/>
+            </a:xfrm>
+            <a:custGeom>
+              <a:avLst/>
+              <a:pathLst>
+                <a:path w="6913543" h="0">
+                  <a:moveTo>
+                    <a:pt x="0" y="0"/>
+                  </a:moveTo>
+                  <a:lnTo>
+                    <a:pt x="6913543" y="0"/>
+                  </a:lnTo>
+                  <a:lnTo>
+                    <a:pt x="6913543" y="0"/>
+                  </a:lnTo>
+                </a:path>
+              </a:pathLst>
+            </a:custGeom>
+            <a:ln w="6775" cap="flat">
+              <a:solidFill>
+                <a:srgbClr val="DEDEDE">
+                  <a:alpha val="100000"/>
+                </a:srgbClr>
+              </a:solidFill>
+              <a:prstDash val="solid"/>
+              <a:round/>
+            </a:ln>
+          </p:spPr>
+          <p:txBody>
+            <a:bodyPr/>
+            <a:lstStyle/>
+            <a:p/>
+          </p:txBody>
+        </p:sp>
+        <p:sp>
+          <p:nvSpPr>
+            <p:cNvPr id="11" name="pl11"/>
+            <p:cNvSpPr/>
+            <p:nvPr/>
+          </p:nvSpPr>
+          <p:spPr>
+            <a:xfrm>
+              <a:off x="2023549" y="4355317"/>
+              <a:ext cx="6913543" cy="0"/>
+            </a:xfrm>
+            <a:custGeom>
+              <a:avLst/>
+              <a:pathLst>
+                <a:path w="6913543" h="0">
+                  <a:moveTo>
+                    <a:pt x="0" y="0"/>
+                  </a:moveTo>
+                  <a:lnTo>
+                    <a:pt x="6913543" y="0"/>
+                  </a:lnTo>
+                  <a:lnTo>
+                    <a:pt x="6913543" y="0"/>
+                  </a:lnTo>
+                </a:path>
+              </a:pathLst>
+            </a:custGeom>
+            <a:ln w="6775" cap="flat">
+              <a:solidFill>
+                <a:srgbClr val="DEDEDE">
+                  <a:alpha val="100000"/>
+                </a:srgbClr>
+              </a:solidFill>
+              <a:prstDash val="solid"/>
+              <a:round/>
+            </a:ln>
+          </p:spPr>
+          <p:txBody>
+            <a:bodyPr/>
+            <a:lstStyle/>
+            <a:p/>
+          </p:txBody>
+        </p:sp>
+        <p:sp>
+          <p:nvSpPr>
+            <p:cNvPr id="12" name="pl12"/>
+            <p:cNvSpPr/>
+            <p:nvPr/>
+          </p:nvSpPr>
+          <p:spPr>
+            <a:xfrm>
+              <a:off x="2023549" y="3861620"/>
+              <a:ext cx="6913543" cy="0"/>
+            </a:xfrm>
+            <a:custGeom>
+              <a:avLst/>
+              <a:pathLst>
+                <a:path w="6913543" h="0">
+                  <a:moveTo>
+                    <a:pt x="0" y="0"/>
+                  </a:moveTo>
+                  <a:lnTo>
+                    <a:pt x="6913543" y="0"/>
+                  </a:lnTo>
+                  <a:lnTo>
+                    <a:pt x="6913543" y="0"/>
+                  </a:lnTo>
+                </a:path>
+              </a:pathLst>
+            </a:custGeom>
+            <a:ln w="6775" cap="flat">
+              <a:solidFill>
+                <a:srgbClr val="DEDEDE">
+                  <a:alpha val="100000"/>
+                </a:srgbClr>
+              </a:solidFill>
+              <a:prstDash val="solid"/>
+              <a:round/>
+            </a:ln>
+          </p:spPr>
+          <p:txBody>
+            <a:bodyPr/>
+            <a:lstStyle/>
+            <a:p/>
+          </p:txBody>
+        </p:sp>
+        <p:sp>
+          <p:nvSpPr>
+            <p:cNvPr id="13" name="pl13"/>
+            <p:cNvSpPr/>
+            <p:nvPr/>
+          </p:nvSpPr>
+          <p:spPr>
+            <a:xfrm>
+              <a:off x="2023549" y="3367924"/>
+              <a:ext cx="6913543" cy="0"/>
+            </a:xfrm>
+            <a:custGeom>
+              <a:avLst/>
+              <a:pathLst>
+                <a:path w="6913543" h="0">
+                  <a:moveTo>
+                    <a:pt x="0" y="0"/>
+                  </a:moveTo>
+                  <a:lnTo>
+                    <a:pt x="6913543" y="0"/>
+                  </a:lnTo>
+                  <a:lnTo>
+                    <a:pt x="6913543" y="0"/>
+                  </a:lnTo>
+                </a:path>
+              </a:pathLst>
+            </a:custGeom>
+            <a:ln w="6775" cap="flat">
+              <a:solidFill>
+                <a:srgbClr val="DEDEDE">
+                  <a:alpha val="100000"/>
+                </a:srgbClr>
+              </a:solidFill>
+              <a:prstDash val="solid"/>
+              <a:round/>
+            </a:ln>
+          </p:spPr>
+          <p:txBody>
+            <a:bodyPr/>
+            <a:lstStyle/>
+            <a:p/>
+          </p:txBody>
+        </p:sp>
+        <p:sp>
+          <p:nvSpPr>
+            <p:cNvPr id="14" name="pl14"/>
+            <p:cNvSpPr/>
+            <p:nvPr/>
+          </p:nvSpPr>
+          <p:spPr>
+            <a:xfrm>
+              <a:off x="2023549" y="2874227"/>
+              <a:ext cx="6913543" cy="0"/>
+            </a:xfrm>
+            <a:custGeom>
+              <a:avLst/>
+              <a:pathLst>
+                <a:path w="6913543" h="0">
+                  <a:moveTo>
+                    <a:pt x="0" y="0"/>
+                  </a:moveTo>
+                  <a:lnTo>
+                    <a:pt x="6913543" y="0"/>
+                  </a:lnTo>
+                  <a:lnTo>
+                    <a:pt x="6913543" y="0"/>
+                  </a:lnTo>
+                </a:path>
+              </a:pathLst>
+            </a:custGeom>
+            <a:ln w="6775" cap="flat">
+              <a:solidFill>
+                <a:srgbClr val="DEDEDE">
+                  <a:alpha val="100000"/>
+                </a:srgbClr>
+              </a:solidFill>
+              <a:prstDash val="solid"/>
+              <a:round/>
+            </a:ln>
+          </p:spPr>
+          <p:txBody>
+            <a:bodyPr/>
+            <a:lstStyle/>
+            <a:p/>
+          </p:txBody>
+        </p:sp>
+        <p:sp>
+          <p:nvSpPr>
+            <p:cNvPr id="15" name="pl15"/>
+            <p:cNvSpPr/>
+            <p:nvPr/>
+          </p:nvSpPr>
+          <p:spPr>
+            <a:xfrm>
+              <a:off x="2023549" y="2380531"/>
+              <a:ext cx="6913543" cy="0"/>
+            </a:xfrm>
+            <a:custGeom>
+              <a:avLst/>
+              <a:pathLst>
+                <a:path w="6913543" h="0">
+                  <a:moveTo>
+                    <a:pt x="0" y="0"/>
+                  </a:moveTo>
+                  <a:lnTo>
+                    <a:pt x="6913543" y="0"/>
+                  </a:lnTo>
+                  <a:lnTo>
+                    <a:pt x="6913543" y="0"/>
+                  </a:lnTo>
+                </a:path>
+              </a:pathLst>
+            </a:custGeom>
+            <a:ln w="6775" cap="flat">
+              <a:solidFill>
+                <a:srgbClr val="DEDEDE">
+                  <a:alpha val="100000"/>
+                </a:srgbClr>
+              </a:solidFill>
+              <a:prstDash val="solid"/>
+              <a:round/>
+            </a:ln>
+          </p:spPr>
+          <p:txBody>
+            <a:bodyPr/>
+            <a:lstStyle/>
+            <a:p/>
+          </p:txBody>
+        </p:sp>
+        <p:sp>
+          <p:nvSpPr>
+            <p:cNvPr id="16" name="pl16"/>
+            <p:cNvSpPr/>
+            <p:nvPr/>
+          </p:nvSpPr>
+          <p:spPr>
+            <a:xfrm>
+              <a:off x="2023549" y="1886835"/>
+              <a:ext cx="6913543" cy="0"/>
+            </a:xfrm>
+            <a:custGeom>
+              <a:avLst/>
+              <a:pathLst>
+                <a:path w="6913543" h="0">
+                  <a:moveTo>
+                    <a:pt x="0" y="0"/>
+                  </a:moveTo>
+                  <a:lnTo>
+                    <a:pt x="6913543" y="0"/>
+                  </a:lnTo>
+                  <a:lnTo>
+                    <a:pt x="6913543" y="0"/>
+                  </a:lnTo>
+                </a:path>
+              </a:pathLst>
+            </a:custGeom>
+            <a:ln w="6775" cap="flat">
+              <a:solidFill>
+                <a:srgbClr val="DEDEDE">
+                  <a:alpha val="100000"/>
+                </a:srgbClr>
+              </a:solidFill>
+              <a:prstDash val="solid"/>
+              <a:round/>
+            </a:ln>
+          </p:spPr>
+          <p:txBody>
+            <a:bodyPr/>
+            <a:lstStyle/>
+            <a:p/>
+          </p:txBody>
+        </p:sp>
+        <p:sp>
+          <p:nvSpPr>
+            <p:cNvPr id="17" name="pl17"/>
+            <p:cNvSpPr/>
+            <p:nvPr/>
+          </p:nvSpPr>
+          <p:spPr>
+            <a:xfrm>
+              <a:off x="2023549" y="1590617"/>
+              <a:ext cx="0" cy="4048310"/>
+            </a:xfrm>
+            <a:custGeom>
+              <a:avLst/>
+              <a:pathLst>
+                <a:path w="0" h="4048310">
+                  <a:moveTo>
+                    <a:pt x="0" y="4048310"/>
+                  </a:moveTo>
+                  <a:lnTo>
+                    <a:pt x="0" y="0"/>
+                  </a:lnTo>
+                  <a:lnTo>
+                    <a:pt x="0" y="0"/>
+                  </a:lnTo>
+                </a:path>
+              </a:pathLst>
+            </a:custGeom>
+            <a:ln w="6775" cap="flat">
+              <a:solidFill>
+                <a:srgbClr val="DEDEDE">
+                  <a:alpha val="100000"/>
+                </a:srgbClr>
+              </a:solidFill>
+              <a:prstDash val="solid"/>
+              <a:round/>
+            </a:ln>
+          </p:spPr>
+          <p:txBody>
+            <a:bodyPr/>
+            <a:lstStyle/>
+            <a:p/>
+          </p:txBody>
+        </p:sp>
+        <p:sp>
+          <p:nvSpPr>
+            <p:cNvPr id="18" name="pl18"/>
+            <p:cNvSpPr/>
+            <p:nvPr/>
+          </p:nvSpPr>
+          <p:spPr>
+            <a:xfrm>
+              <a:off x="4123296" y="1590617"/>
+              <a:ext cx="0" cy="4048310"/>
+            </a:xfrm>
+            <a:custGeom>
+              <a:avLst/>
+              <a:pathLst>
+                <a:path w="0" h="4048310">
+                  <a:moveTo>
+                    <a:pt x="0" y="4048310"/>
+                  </a:moveTo>
+                  <a:lnTo>
+                    <a:pt x="0" y="0"/>
+                  </a:lnTo>
+                  <a:lnTo>
+                    <a:pt x="0" y="0"/>
+                  </a:lnTo>
+                </a:path>
+              </a:pathLst>
+            </a:custGeom>
+            <a:ln w="6775" cap="flat">
+              <a:solidFill>
+                <a:srgbClr val="DEDEDE">
+                  <a:alpha val="100000"/>
+                </a:srgbClr>
+              </a:solidFill>
+              <a:prstDash val="solid"/>
+              <a:round/>
+            </a:ln>
+          </p:spPr>
+          <p:txBody>
+            <a:bodyPr/>
+            <a:lstStyle/>
+            <a:p/>
+          </p:txBody>
+        </p:sp>
+        <p:sp>
+          <p:nvSpPr>
+            <p:cNvPr id="19" name="pl19"/>
+            <p:cNvSpPr/>
+            <p:nvPr/>
+          </p:nvSpPr>
+          <p:spPr>
+            <a:xfrm>
+              <a:off x="6223043" y="1590617"/>
+              <a:ext cx="0" cy="4048310"/>
+            </a:xfrm>
+            <a:custGeom>
+              <a:avLst/>
+              <a:pathLst>
+                <a:path w="0" h="4048310">
+                  <a:moveTo>
+                    <a:pt x="0" y="4048310"/>
+                  </a:moveTo>
+                  <a:lnTo>
+                    <a:pt x="0" y="0"/>
+                  </a:lnTo>
+                  <a:lnTo>
+                    <a:pt x="0" y="0"/>
+                  </a:lnTo>
+                </a:path>
+              </a:pathLst>
+            </a:custGeom>
+            <a:ln w="6775" cap="flat">
+              <a:solidFill>
+                <a:srgbClr val="DEDEDE">
+                  <a:alpha val="100000"/>
+                </a:srgbClr>
+              </a:solidFill>
+              <a:prstDash val="solid"/>
+              <a:round/>
+            </a:ln>
+          </p:spPr>
+          <p:txBody>
+            <a:bodyPr/>
+            <a:lstStyle/>
+            <a:p/>
+          </p:txBody>
+        </p:sp>
+        <p:sp>
+          <p:nvSpPr>
+            <p:cNvPr id="20" name="pl20"/>
+            <p:cNvSpPr/>
+            <p:nvPr/>
+          </p:nvSpPr>
+          <p:spPr>
+            <a:xfrm>
+              <a:off x="8322790" y="1590617"/>
+              <a:ext cx="0" cy="4048310"/>
+            </a:xfrm>
+            <a:custGeom>
+              <a:avLst/>
+              <a:pathLst>
+                <a:path w="0" h="4048310">
+                  <a:moveTo>
+                    <a:pt x="0" y="4048310"/>
+                  </a:moveTo>
+                  <a:lnTo>
+                    <a:pt x="0" y="0"/>
+                  </a:lnTo>
+                  <a:lnTo>
+                    <a:pt x="0" y="0"/>
+                  </a:lnTo>
+                </a:path>
+              </a:pathLst>
+            </a:custGeom>
+            <a:ln w="6775" cap="flat">
+              <a:solidFill>
+                <a:srgbClr val="DEDEDE">
+                  <a:alpha val="100000"/>
+                </a:srgbClr>
+              </a:solidFill>
+              <a:prstDash val="solid"/>
+              <a:round/>
+            </a:ln>
+          </p:spPr>
+          <p:txBody>
+            <a:bodyPr/>
+            <a:lstStyle/>
+            <a:p/>
+          </p:txBody>
+        </p:sp>
+        <p:sp>
+          <p:nvSpPr>
+            <p:cNvPr id="21" name="rc21"/>
+            <p:cNvSpPr/>
+            <p:nvPr/>
+          </p:nvSpPr>
+          <p:spPr>
+            <a:xfrm>
+              <a:off x="2023549" y="1664671"/>
+              <a:ext cx="6777983" cy="444326"/>
+            </a:xfrm>
+            <a:prstGeom prst="rect">
+              <a:avLst/>
+            </a:prstGeom>
+            <a:solidFill>
+              <a:srgbClr val="595959">
+                <a:alpha val="100000"/>
+              </a:srgbClr>
+            </a:solidFill>
+          </p:spPr>
+          <p:txBody>
+            <a:bodyPr/>
+            <a:lstStyle/>
+            <a:p/>
+          </p:txBody>
+        </p:sp>
+        <p:sp>
+          <p:nvSpPr>
+            <p:cNvPr id="22" name="rc22"/>
+            <p:cNvSpPr/>
+            <p:nvPr/>
+          </p:nvSpPr>
+          <p:spPr>
+            <a:xfrm>
+              <a:off x="2023549" y="2158368"/>
+              <a:ext cx="5343856" cy="444326"/>
+            </a:xfrm>
+            <a:prstGeom prst="rect">
+              <a:avLst/>
+            </a:prstGeom>
+            <a:solidFill>
+              <a:srgbClr val="595959">
+                <a:alpha val="100000"/>
+              </a:srgbClr>
+            </a:solidFill>
+          </p:spPr>
+          <p:txBody>
+            <a:bodyPr/>
+            <a:lstStyle/>
+            <a:p/>
+          </p:txBody>
+        </p:sp>
+        <p:sp>
+          <p:nvSpPr>
+            <p:cNvPr id="23" name="rc23"/>
+            <p:cNvSpPr/>
+            <p:nvPr/>
+          </p:nvSpPr>
+          <p:spPr>
+            <a:xfrm>
+              <a:off x="2023549" y="2652064"/>
+              <a:ext cx="2721272" cy="444326"/>
+            </a:xfrm>
+            <a:prstGeom prst="rect">
+              <a:avLst/>
+            </a:prstGeom>
+            <a:solidFill>
+              <a:srgbClr val="595959">
+                <a:alpha val="100000"/>
+              </a:srgbClr>
+            </a:solidFill>
+          </p:spPr>
+          <p:txBody>
+            <a:bodyPr/>
+            <a:lstStyle/>
+            <a:p/>
+          </p:txBody>
+        </p:sp>
+        <p:sp>
+          <p:nvSpPr>
+            <p:cNvPr id="24" name="rc24"/>
+            <p:cNvSpPr/>
+            <p:nvPr/>
+          </p:nvSpPr>
+          <p:spPr>
+            <a:xfrm>
+              <a:off x="2023549" y="3145760"/>
+              <a:ext cx="2181637" cy="444326"/>
+            </a:xfrm>
+            <a:prstGeom prst="rect">
+              <a:avLst/>
+            </a:prstGeom>
+            <a:solidFill>
+              <a:srgbClr val="595959">
+                <a:alpha val="100000"/>
+              </a:srgbClr>
+            </a:solidFill>
+          </p:spPr>
+          <p:txBody>
+            <a:bodyPr/>
+            <a:lstStyle/>
+            <a:p/>
+          </p:txBody>
+        </p:sp>
+        <p:sp>
+          <p:nvSpPr>
+            <p:cNvPr id="25" name="rc25"/>
+            <p:cNvSpPr/>
+            <p:nvPr/>
+          </p:nvSpPr>
+          <p:spPr>
+            <a:xfrm>
+              <a:off x="2023549" y="3639457"/>
+              <a:ext cx="1893971" cy="444326"/>
+            </a:xfrm>
+            <a:prstGeom prst="rect">
+              <a:avLst/>
+            </a:prstGeom>
+            <a:solidFill>
+              <a:srgbClr val="595959">
+                <a:alpha val="100000"/>
+              </a:srgbClr>
+            </a:solidFill>
+          </p:spPr>
+          <p:txBody>
+            <a:bodyPr/>
+            <a:lstStyle/>
+            <a:p/>
+          </p:txBody>
+        </p:sp>
+        <p:sp>
+          <p:nvSpPr>
+            <p:cNvPr id="26" name="rc26"/>
+            <p:cNvSpPr/>
+            <p:nvPr/>
+          </p:nvSpPr>
+          <p:spPr>
+            <a:xfrm>
+              <a:off x="2023549" y="4133153"/>
+              <a:ext cx="1432027" cy="444326"/>
+            </a:xfrm>
+            <a:prstGeom prst="rect">
+              <a:avLst/>
+            </a:prstGeom>
+            <a:solidFill>
+              <a:srgbClr val="595959">
+                <a:alpha val="100000"/>
+              </a:srgbClr>
+            </a:solidFill>
+          </p:spPr>
+          <p:txBody>
+            <a:bodyPr/>
+            <a:lstStyle/>
+            <a:p/>
+          </p:txBody>
+        </p:sp>
+        <p:sp>
+          <p:nvSpPr>
+            <p:cNvPr id="27" name="rc27"/>
+            <p:cNvSpPr/>
+            <p:nvPr/>
+          </p:nvSpPr>
+          <p:spPr>
+            <a:xfrm>
+              <a:off x="2023549" y="4626850"/>
+              <a:ext cx="1047773" cy="444326"/>
+            </a:xfrm>
+            <a:prstGeom prst="rect">
+              <a:avLst/>
+            </a:prstGeom>
+            <a:solidFill>
+              <a:srgbClr val="595959">
+                <a:alpha val="100000"/>
+              </a:srgbClr>
+            </a:solidFill>
+          </p:spPr>
+          <p:txBody>
+            <a:bodyPr/>
+            <a:lstStyle/>
+            <a:p/>
+          </p:txBody>
+        </p:sp>
+        <p:sp>
+          <p:nvSpPr>
+            <p:cNvPr id="28" name="rc28"/>
+            <p:cNvSpPr/>
+            <p:nvPr/>
+          </p:nvSpPr>
+          <p:spPr>
+            <a:xfrm>
+              <a:off x="2023549" y="5120546"/>
+              <a:ext cx="667719" cy="444326"/>
+            </a:xfrm>
+            <a:prstGeom prst="rect">
+              <a:avLst/>
+            </a:prstGeom>
+            <a:solidFill>
+              <a:srgbClr val="595959">
+                <a:alpha val="100000"/>
+              </a:srgbClr>
+            </a:solidFill>
+          </p:spPr>
+          <p:txBody>
+            <a:bodyPr/>
+            <a:lstStyle/>
+            <a:p/>
+          </p:txBody>
+        </p:sp>
+        <p:sp>
+          <p:nvSpPr>
+            <p:cNvPr id="29" name="tx29"/>
+            <p:cNvSpPr/>
+            <p:nvPr/>
+          </p:nvSpPr>
+          <p:spPr>
+            <a:xfrm>
+              <a:off x="6453574" y="1842361"/>
+              <a:ext cx="2195201" cy="67753"/>
             </a:xfrm>
             <a:prstGeom prst="rect">
               <a:avLst/>
@@ -4151,7 +4085,7 @@
             <a:p>
               <a:pPr algn="l" marL="0" marR="0" indent="0">
                 <a:lnSpc>
-                  <a:spcPts val="1138"/>
+                  <a:spcPts val="853"/>
                 </a:lnSpc>
                 <a:spcBef>
                   <a:spcPts val="0"/>
@@ -4161,7 +4095,7 @@
                 </a:spcAft>
               </a:pPr>
               <a:r>
-                <a:rPr sz="1138">
+                <a:rPr sz="853" b="1">
                   <a:solidFill>
                     <a:srgbClr val="FFFFFF">
                       <a:alpha val="100000"/>
@@ -4170,21 +4104,21 @@
                   <a:latin typeface="Arial"/>
                   <a:cs typeface="Arial"/>
                 </a:rPr>
-                <a:t>29.5%</a:t>
+                <a:t>日常消费行为（如常年饮用酸奶，以益生菌相关产品为零食）</a:t>
               </a:r>
             </a:p>
           </p:txBody>
         </p:sp>
         <p:sp>
           <p:nvSpPr>
-            <p:cNvPr id="7" name="tx7"/>
-            <p:cNvSpPr/>
-            <p:nvPr/>
-          </p:nvSpPr>
-          <p:spPr>
-            <a:xfrm>
-              <a:off x="4154426" y="4262491"/>
-              <a:ext cx="409835" cy="109040"/>
+            <p:cNvPr id="30" name="tx30"/>
+            <p:cNvSpPr/>
+            <p:nvPr/>
+          </p:nvSpPr>
+          <p:spPr>
+            <a:xfrm>
+              <a:off x="5669877" y="2336057"/>
+              <a:ext cx="1544771" cy="67753"/>
             </a:xfrm>
             <a:prstGeom prst="rect">
               <a:avLst/>
@@ -4197,7 +4131,7 @@
             <a:p>
               <a:pPr algn="l" marL="0" marR="0" indent="0">
                 <a:lnSpc>
-                  <a:spcPts val="1138"/>
+                  <a:spcPts val="853"/>
                 </a:lnSpc>
                 <a:spcBef>
                   <a:spcPts val="0"/>
@@ -4207,7 +4141,7 @@
                 </a:spcAft>
               </a:pPr>
               <a:r>
-                <a:rPr sz="1138">
+                <a:rPr sz="853" b="1">
                   <a:solidFill>
                     <a:srgbClr val="FFFFFF">
                       <a:alpha val="100000"/>
@@ -4216,21 +4150,21 @@
                   <a:latin typeface="Arial"/>
                   <a:cs typeface="Arial"/>
                 </a:rPr>
-                <a:t>70.5%</a:t>
+                <a:t>因肠胃健康需求（如肠胃调理，辅助抗幽）</a:t>
               </a:r>
             </a:p>
           </p:txBody>
         </p:sp>
         <p:sp>
           <p:nvSpPr>
-            <p:cNvPr id="8" name="tx8"/>
-            <p:cNvSpPr/>
-            <p:nvPr/>
-          </p:nvSpPr>
-          <p:spPr>
-            <a:xfrm>
-              <a:off x="5599078" y="3174466"/>
-              <a:ext cx="409835" cy="109040"/>
+            <p:cNvPr id="31" name="tx31"/>
+            <p:cNvSpPr/>
+            <p:nvPr/>
+          </p:nvSpPr>
+          <p:spPr>
+            <a:xfrm>
+              <a:off x="4897578" y="2845274"/>
+              <a:ext cx="1544771" cy="67753"/>
             </a:xfrm>
             <a:prstGeom prst="rect">
               <a:avLst/>
@@ -4243,7 +4177,7 @@
             <a:p>
               <a:pPr algn="l" marL="0" marR="0" indent="0">
                 <a:lnSpc>
-                  <a:spcPts val="1138"/>
+                  <a:spcPts val="853"/>
                 </a:lnSpc>
                 <a:spcBef>
                   <a:spcPts val="0"/>
@@ -4253,30 +4187,30 @@
                 </a:spcAft>
               </a:pPr>
               <a:r>
-                <a:rPr sz="1138">
+                <a:rPr sz="853">
                   <a:solidFill>
-                    <a:srgbClr val="FFFFFF">
+                    <a:srgbClr val="000000">
                       <a:alpha val="100000"/>
                     </a:srgbClr>
                   </a:solidFill>
                   <a:latin typeface="Arial"/>
                   <a:cs typeface="Arial"/>
                 </a:rPr>
-                <a:t>29.5%</a:t>
+                <a:t>因改善代谢需求（如纤体减脂，增强耐力）</a:t>
               </a:r>
             </a:p>
           </p:txBody>
         </p:sp>
         <p:sp>
           <p:nvSpPr>
-            <p:cNvPr id="9" name="tx9"/>
-            <p:cNvSpPr/>
-            <p:nvPr/>
-          </p:nvSpPr>
-          <p:spPr>
-            <a:xfrm>
-              <a:off x="4152183" y="4259135"/>
-              <a:ext cx="409835" cy="109040"/>
+            <p:cNvPr id="32" name="tx32"/>
+            <p:cNvSpPr/>
+            <p:nvPr/>
+          </p:nvSpPr>
+          <p:spPr>
+            <a:xfrm>
+              <a:off x="4357943" y="3338970"/>
+              <a:ext cx="1544771" cy="67753"/>
             </a:xfrm>
             <a:prstGeom prst="rect">
               <a:avLst/>
@@ -4289,7 +4223,7 @@
             <a:p>
               <a:pPr algn="l" marL="0" marR="0" indent="0">
                 <a:lnSpc>
-                  <a:spcPts val="1138"/>
+                  <a:spcPts val="853"/>
                 </a:lnSpc>
                 <a:spcBef>
                   <a:spcPts val="0"/>
@@ -4299,30 +4233,30 @@
                 </a:spcAft>
               </a:pPr>
               <a:r>
-                <a:rPr sz="1138">
+                <a:rPr sz="853">
                   <a:solidFill>
-                    <a:srgbClr val="FFFFFF">
+                    <a:srgbClr val="000000">
                       <a:alpha val="100000"/>
                     </a:srgbClr>
                   </a:solidFill>
                   <a:latin typeface="Arial"/>
                   <a:cs typeface="Arial"/>
                 </a:rPr>
-                <a:t>70.5%</a:t>
+                <a:t>因口腔保健需求（如控龋除臭，抑制溃疡）</a:t>
               </a:r>
             </a:p>
           </p:txBody>
         </p:sp>
         <p:sp>
           <p:nvSpPr>
-            <p:cNvPr id="10" name="tx10"/>
-            <p:cNvSpPr/>
-            <p:nvPr/>
-          </p:nvSpPr>
-          <p:spPr>
-            <a:xfrm>
-              <a:off x="5595722" y="3172224"/>
-              <a:ext cx="409835" cy="109040"/>
+            <p:cNvPr id="33" name="tx33"/>
+            <p:cNvSpPr/>
+            <p:nvPr/>
+          </p:nvSpPr>
+          <p:spPr>
+            <a:xfrm>
+              <a:off x="4070277" y="3832666"/>
+              <a:ext cx="1544771" cy="67753"/>
             </a:xfrm>
             <a:prstGeom prst="rect">
               <a:avLst/>
@@ -4335,7 +4269,7 @@
             <a:p>
               <a:pPr algn="l" marL="0" marR="0" indent="0">
                 <a:lnSpc>
-                  <a:spcPts val="1138"/>
+                  <a:spcPts val="853"/>
                 </a:lnSpc>
                 <a:spcBef>
                   <a:spcPts val="0"/>
@@ -4345,30 +4279,30 @@
                 </a:spcAft>
               </a:pPr>
               <a:r>
-                <a:rPr sz="1138">
+                <a:rPr sz="853">
                   <a:solidFill>
-                    <a:srgbClr val="FFFFFF">
+                    <a:srgbClr val="000000">
                       <a:alpha val="100000"/>
                     </a:srgbClr>
                   </a:solidFill>
                   <a:latin typeface="Arial"/>
                   <a:cs typeface="Arial"/>
                 </a:rPr>
-                <a:t>29.5%</a:t>
+                <a:t>因舒缓过敏需求（如疏痒抗敏，缓解鼻炎）</a:t>
               </a:r>
             </a:p>
           </p:txBody>
         </p:sp>
         <p:sp>
           <p:nvSpPr>
-            <p:cNvPr id="11" name="tx11"/>
-            <p:cNvSpPr/>
-            <p:nvPr/>
-          </p:nvSpPr>
-          <p:spPr>
-            <a:xfrm>
-              <a:off x="4148826" y="4256892"/>
-              <a:ext cx="409835" cy="109040"/>
+            <p:cNvPr id="34" name="tx34"/>
+            <p:cNvSpPr/>
+            <p:nvPr/>
+          </p:nvSpPr>
+          <p:spPr>
+            <a:xfrm>
+              <a:off x="3608333" y="4326363"/>
+              <a:ext cx="1544771" cy="67753"/>
             </a:xfrm>
             <a:prstGeom prst="rect">
               <a:avLst/>
@@ -4381,7 +4315,7 @@
             <a:p>
               <a:pPr algn="l" marL="0" marR="0" indent="0">
                 <a:lnSpc>
-                  <a:spcPts val="1138"/>
+                  <a:spcPts val="853"/>
                 </a:lnSpc>
                 <a:spcBef>
                   <a:spcPts val="0"/>
@@ -4391,30 +4325,30 @@
                 </a:spcAft>
               </a:pPr>
               <a:r>
-                <a:rPr sz="1138">
+                <a:rPr sz="853">
                   <a:solidFill>
-                    <a:srgbClr val="FFFFFF">
+                    <a:srgbClr val="000000">
                       <a:alpha val="100000"/>
                     </a:srgbClr>
                   </a:solidFill>
                   <a:latin typeface="Arial"/>
                   <a:cs typeface="Arial"/>
                 </a:rPr>
-                <a:t>70.5%</a:t>
+                <a:t>因女性健康需求（如私处护理，乳腺抗炎）</a:t>
               </a:r>
             </a:p>
           </p:txBody>
         </p:sp>
         <p:sp>
           <p:nvSpPr>
-            <p:cNvPr id="12" name="tx12"/>
-            <p:cNvSpPr/>
-            <p:nvPr/>
-          </p:nvSpPr>
-          <p:spPr>
-            <a:xfrm>
-              <a:off x="5591762" y="3171436"/>
-              <a:ext cx="409835" cy="109040"/>
+            <p:cNvPr id="35" name="tx35"/>
+            <p:cNvSpPr/>
+            <p:nvPr/>
+          </p:nvSpPr>
+          <p:spPr>
+            <a:xfrm>
+              <a:off x="3224079" y="4820059"/>
+              <a:ext cx="1544771" cy="67753"/>
             </a:xfrm>
             <a:prstGeom prst="rect">
               <a:avLst/>
@@ -4427,7 +4361,7 @@
             <a:p>
               <a:pPr algn="l" marL="0" marR="0" indent="0">
                 <a:lnSpc>
-                  <a:spcPts val="1138"/>
+                  <a:spcPts val="853"/>
                 </a:lnSpc>
                 <a:spcBef>
                   <a:spcPts val="0"/>
@@ -4437,30 +4371,30 @@
                 </a:spcAft>
               </a:pPr>
               <a:r>
-                <a:rPr sz="1138">
+                <a:rPr sz="853">
                   <a:solidFill>
-                    <a:srgbClr val="FFFFFF">
+                    <a:srgbClr val="000000">
                       <a:alpha val="100000"/>
                     </a:srgbClr>
                   </a:solidFill>
                   <a:latin typeface="Arial"/>
                   <a:cs typeface="Arial"/>
                 </a:rPr>
-                <a:t>29.5%</a:t>
+                <a:t>因精神调节需求（如抵抗抑郁，降低自闭）</a:t>
               </a:r>
             </a:p>
           </p:txBody>
         </p:sp>
         <p:sp>
           <p:nvSpPr>
-            <p:cNvPr id="13" name="tx13"/>
-            <p:cNvSpPr/>
-            <p:nvPr/>
-          </p:nvSpPr>
-          <p:spPr>
-            <a:xfrm>
-              <a:off x="4144867" y="4256104"/>
-              <a:ext cx="409835" cy="109040"/>
+            <p:cNvPr id="36" name="tx36"/>
+            <p:cNvSpPr/>
+            <p:nvPr/>
+          </p:nvSpPr>
+          <p:spPr>
+            <a:xfrm>
+              <a:off x="2844025" y="5313756"/>
+              <a:ext cx="1544771" cy="67753"/>
             </a:xfrm>
             <a:prstGeom prst="rect">
               <a:avLst/>
@@ -4473,7 +4407,7 @@
             <a:p>
               <a:pPr algn="l" marL="0" marR="0" indent="0">
                 <a:lnSpc>
-                  <a:spcPts val="1138"/>
+                  <a:spcPts val="853"/>
                 </a:lnSpc>
                 <a:spcBef>
                   <a:spcPts val="0"/>
@@ -4483,30 +4417,60 @@
                 </a:spcAft>
               </a:pPr>
               <a:r>
-                <a:rPr sz="1138">
+                <a:rPr sz="853">
                   <a:solidFill>
-                    <a:srgbClr val="FFFFFF">
+                    <a:srgbClr val="000000">
                       <a:alpha val="100000"/>
                     </a:srgbClr>
                   </a:solidFill>
                   <a:latin typeface="Arial"/>
                   <a:cs typeface="Arial"/>
                 </a:rPr>
-                <a:t>70.5%</a:t>
+                <a:t>因治疗辅助需求（如辅助抗癌，干预肠炎）</a:t>
               </a:r>
             </a:p>
           </p:txBody>
         </p:sp>
         <p:sp>
           <p:nvSpPr>
-            <p:cNvPr id="14" name="tx14"/>
-            <p:cNvSpPr/>
-            <p:nvPr/>
-          </p:nvSpPr>
-          <p:spPr>
-            <a:xfrm>
-              <a:off x="5587803" y="3172224"/>
-              <a:ext cx="409835" cy="109040"/>
+            <p:cNvPr id="37" name="rc37"/>
+            <p:cNvSpPr/>
+            <p:nvPr/>
+          </p:nvSpPr>
+          <p:spPr>
+            <a:xfrm>
+              <a:off x="2023549" y="1590617"/>
+              <a:ext cx="6913543" cy="4048310"/>
+            </a:xfrm>
+            <a:prstGeom prst="rect">
+              <a:avLst/>
+            </a:prstGeom>
+            <a:ln w="13550" cap="rnd">
+              <a:solidFill>
+                <a:srgbClr val="B3B3B3">
+                  <a:alpha val="100000"/>
+                </a:srgbClr>
+              </a:solidFill>
+              <a:prstDash val="solid"/>
+              <a:round/>
+            </a:ln>
+          </p:spPr>
+          <p:txBody>
+            <a:bodyPr/>
+            <a:lstStyle/>
+            <a:p/>
+          </p:txBody>
+        </p:sp>
+        <p:sp>
+          <p:nvSpPr>
+            <p:cNvPr id="38" name="tx38"/>
+            <p:cNvSpPr/>
+            <p:nvPr/>
+          </p:nvSpPr>
+          <p:spPr>
+            <a:xfrm>
+              <a:off x="1926599" y="5300963"/>
+              <a:ext cx="62155" cy="81746"/>
             </a:xfrm>
             <a:prstGeom prst="rect">
               <a:avLst/>
@@ -4519,7 +4483,7 @@
             <a:p>
               <a:pPr algn="l" marL="0" marR="0" indent="0">
                 <a:lnSpc>
-                  <a:spcPts val="1138"/>
+                  <a:spcPts val="880"/>
                 </a:lnSpc>
                 <a:spcBef>
                   <a:spcPts val="0"/>
@@ -4529,30 +4493,30 @@
                 </a:spcAft>
               </a:pPr>
               <a:r>
-                <a:rPr sz="1138">
+                <a:rPr sz="880" b="1">
                   <a:solidFill>
-                    <a:srgbClr val="FFFFFF">
+                    <a:srgbClr val="4D4D4D">
                       <a:alpha val="100000"/>
                     </a:srgbClr>
                   </a:solidFill>
                   <a:latin typeface="Arial"/>
                   <a:cs typeface="Arial"/>
                 </a:rPr>
-                <a:t>29.5%</a:t>
+                <a:t>8</a:t>
               </a:r>
             </a:p>
           </p:txBody>
         </p:sp>
         <p:sp>
           <p:nvSpPr>
-            <p:cNvPr id="15" name="tx15"/>
-            <p:cNvSpPr/>
-            <p:nvPr/>
-          </p:nvSpPr>
-          <p:spPr>
-            <a:xfrm>
-              <a:off x="4140907" y="4256892"/>
-              <a:ext cx="409835" cy="109040"/>
+            <p:cNvPr id="39" name="tx39"/>
+            <p:cNvSpPr/>
+            <p:nvPr/>
+          </p:nvSpPr>
+          <p:spPr>
+            <a:xfrm>
+              <a:off x="1926599" y="4810105"/>
+              <a:ext cx="62155" cy="78908"/>
             </a:xfrm>
             <a:prstGeom prst="rect">
               <a:avLst/>
@@ -4565,7 +4529,7 @@
             <a:p>
               <a:pPr algn="l" marL="0" marR="0" indent="0">
                 <a:lnSpc>
-                  <a:spcPts val="1138"/>
+                  <a:spcPts val="880"/>
                 </a:lnSpc>
                 <a:spcBef>
                   <a:spcPts val="0"/>
@@ -4575,30 +4539,30 @@
                 </a:spcAft>
               </a:pPr>
               <a:r>
-                <a:rPr sz="1138">
+                <a:rPr sz="880" b="1">
                   <a:solidFill>
-                    <a:srgbClr val="FFFFFF">
+                    <a:srgbClr val="4D4D4D">
                       <a:alpha val="100000"/>
                     </a:srgbClr>
                   </a:solidFill>
                   <a:latin typeface="Arial"/>
                   <a:cs typeface="Arial"/>
                 </a:rPr>
-                <a:t>70.5%</a:t>
+                <a:t>7</a:t>
               </a:r>
             </a:p>
           </p:txBody>
         </p:sp>
         <p:sp>
           <p:nvSpPr>
-            <p:cNvPr id="16" name="tx16"/>
-            <p:cNvSpPr/>
-            <p:nvPr/>
-          </p:nvSpPr>
-          <p:spPr>
-            <a:xfrm>
-              <a:off x="5584446" y="3174466"/>
-              <a:ext cx="409835" cy="109040"/>
+            <p:cNvPr id="40" name="tx40"/>
+            <p:cNvSpPr/>
+            <p:nvPr/>
+          </p:nvSpPr>
+          <p:spPr>
+            <a:xfrm>
+              <a:off x="1926599" y="4313625"/>
+              <a:ext cx="62155" cy="81691"/>
             </a:xfrm>
             <a:prstGeom prst="rect">
               <a:avLst/>
@@ -4611,7 +4575,7 @@
             <a:p>
               <a:pPr algn="l" marL="0" marR="0" indent="0">
                 <a:lnSpc>
-                  <a:spcPts val="1138"/>
+                  <a:spcPts val="880"/>
                 </a:lnSpc>
                 <a:spcBef>
                   <a:spcPts val="0"/>
@@ -4621,30 +4585,30 @@
                 </a:spcAft>
               </a:pPr>
               <a:r>
-                <a:rPr sz="1138">
+                <a:rPr sz="880" b="1">
                   <a:solidFill>
-                    <a:srgbClr val="FFFFFF">
+                    <a:srgbClr val="4D4D4D">
                       <a:alpha val="100000"/>
                     </a:srgbClr>
                   </a:solidFill>
                   <a:latin typeface="Arial"/>
                   <a:cs typeface="Arial"/>
                 </a:rPr>
-                <a:t>29.5%</a:t>
+                <a:t>6</a:t>
               </a:r>
             </a:p>
           </p:txBody>
         </p:sp>
         <p:sp>
           <p:nvSpPr>
-            <p:cNvPr id="17" name="tx17"/>
-            <p:cNvSpPr/>
-            <p:nvPr/>
-          </p:nvSpPr>
-          <p:spPr>
-            <a:xfrm>
-              <a:off x="4137551" y="4259135"/>
-              <a:ext cx="409835" cy="109040"/>
+            <p:cNvPr id="41" name="tx41"/>
+            <p:cNvSpPr/>
+            <p:nvPr/>
+          </p:nvSpPr>
+          <p:spPr>
+            <a:xfrm>
+              <a:off x="1926599" y="3821347"/>
+              <a:ext cx="62155" cy="80272"/>
             </a:xfrm>
             <a:prstGeom prst="rect">
               <a:avLst/>
@@ -4657,7 +4621,7 @@
             <a:p>
               <a:pPr algn="l" marL="0" marR="0" indent="0">
                 <a:lnSpc>
-                  <a:spcPts val="1138"/>
+                  <a:spcPts val="880"/>
                 </a:lnSpc>
                 <a:spcBef>
                   <a:spcPts val="0"/>
@@ -4667,30 +4631,30 @@
                 </a:spcAft>
               </a:pPr>
               <a:r>
-                <a:rPr sz="1138">
+                <a:rPr sz="880" b="1">
                   <a:solidFill>
-                    <a:srgbClr val="FFFFFF">
+                    <a:srgbClr val="4D4D4D">
                       <a:alpha val="100000"/>
                     </a:srgbClr>
                   </a:solidFill>
                   <a:latin typeface="Arial"/>
                   <a:cs typeface="Arial"/>
                 </a:rPr>
-                <a:t>70.5%</a:t>
+                <a:t>5</a:t>
               </a:r>
             </a:p>
           </p:txBody>
         </p:sp>
         <p:sp>
           <p:nvSpPr>
-            <p:cNvPr id="18" name="tx18"/>
-            <p:cNvSpPr/>
-            <p:nvPr/>
-          </p:nvSpPr>
-          <p:spPr>
-            <a:xfrm>
-              <a:off x="5582203" y="3177823"/>
-              <a:ext cx="409835" cy="109040"/>
+            <p:cNvPr id="42" name="tx42"/>
+            <p:cNvSpPr/>
+            <p:nvPr/>
+          </p:nvSpPr>
+          <p:spPr>
+            <a:xfrm>
+              <a:off x="1926599" y="3327596"/>
+              <a:ext cx="62155" cy="80327"/>
             </a:xfrm>
             <a:prstGeom prst="rect">
               <a:avLst/>
@@ -4703,7 +4667,7 @@
             <a:p>
               <a:pPr algn="l" marL="0" marR="0" indent="0">
                 <a:lnSpc>
-                  <a:spcPts val="1138"/>
+                  <a:spcPts val="880"/>
                 </a:lnSpc>
                 <a:spcBef>
                   <a:spcPts val="0"/>
@@ -4713,30 +4677,30 @@
                 </a:spcAft>
               </a:pPr>
               <a:r>
-                <a:rPr sz="1138">
+                <a:rPr sz="880" b="1">
                   <a:solidFill>
-                    <a:srgbClr val="FFFFFF">
+                    <a:srgbClr val="4D4D4D">
                       <a:alpha val="100000"/>
                     </a:srgbClr>
                   </a:solidFill>
                   <a:latin typeface="Arial"/>
                   <a:cs typeface="Arial"/>
                 </a:rPr>
-                <a:t>29.5%</a:t>
+                <a:t>4</a:t>
               </a:r>
             </a:p>
           </p:txBody>
         </p:sp>
         <p:sp>
           <p:nvSpPr>
-            <p:cNvPr id="19" name="tx19"/>
-            <p:cNvSpPr/>
-            <p:nvPr/>
-          </p:nvSpPr>
-          <p:spPr>
-            <a:xfrm>
-              <a:off x="4135308" y="4262491"/>
-              <a:ext cx="409835" cy="109040"/>
+            <p:cNvPr id="43" name="tx43"/>
+            <p:cNvSpPr/>
+            <p:nvPr/>
+          </p:nvSpPr>
+          <p:spPr>
+            <a:xfrm>
+              <a:off x="1926599" y="2832536"/>
+              <a:ext cx="62155" cy="81691"/>
             </a:xfrm>
             <a:prstGeom prst="rect">
               <a:avLst/>
@@ -4749,7 +4713,7 @@
             <a:p>
               <a:pPr algn="l" marL="0" marR="0" indent="0">
                 <a:lnSpc>
-                  <a:spcPts val="1138"/>
+                  <a:spcPts val="880"/>
                 </a:lnSpc>
                 <a:spcBef>
                   <a:spcPts val="0"/>
@@ -4759,30 +4723,30 @@
                 </a:spcAft>
               </a:pPr>
               <a:r>
-                <a:rPr sz="1138">
+                <a:rPr sz="880" b="1">
                   <a:solidFill>
-                    <a:srgbClr val="FFFFFF">
+                    <a:srgbClr val="4D4D4D">
                       <a:alpha val="100000"/>
                     </a:srgbClr>
                   </a:solidFill>
                   <a:latin typeface="Arial"/>
                   <a:cs typeface="Arial"/>
                 </a:rPr>
-                <a:t>70.5%</a:t>
+                <a:t>3</a:t>
               </a:r>
             </a:p>
           </p:txBody>
         </p:sp>
         <p:sp>
           <p:nvSpPr>
-            <p:cNvPr id="20" name="tx20"/>
-            <p:cNvSpPr/>
-            <p:nvPr/>
-          </p:nvSpPr>
-          <p:spPr>
-            <a:xfrm>
-              <a:off x="5581416" y="3181782"/>
-              <a:ext cx="409835" cy="109040"/>
+            <p:cNvPr id="44" name="tx44"/>
+            <p:cNvSpPr/>
+            <p:nvPr/>
+          </p:nvSpPr>
+          <p:spPr>
+            <a:xfrm>
+              <a:off x="1926599" y="2340204"/>
+              <a:ext cx="62155" cy="80327"/>
             </a:xfrm>
             <a:prstGeom prst="rect">
               <a:avLst/>
@@ -4795,7 +4759,7 @@
             <a:p>
               <a:pPr algn="l" marL="0" marR="0" indent="0">
                 <a:lnSpc>
-                  <a:spcPts val="1138"/>
+                  <a:spcPts val="880"/>
                 </a:lnSpc>
                 <a:spcBef>
                   <a:spcPts val="0"/>
@@ -4805,30 +4769,30 @@
                 </a:spcAft>
               </a:pPr>
               <a:r>
-                <a:rPr sz="1138">
+                <a:rPr sz="880" b="1">
                   <a:solidFill>
-                    <a:srgbClr val="FFFFFF">
+                    <a:srgbClr val="4D4D4D">
                       <a:alpha val="100000"/>
                     </a:srgbClr>
                   </a:solidFill>
                   <a:latin typeface="Arial"/>
                   <a:cs typeface="Arial"/>
                 </a:rPr>
-                <a:t>29.5%</a:t>
+                <a:t>2</a:t>
               </a:r>
             </a:p>
           </p:txBody>
         </p:sp>
         <p:sp>
           <p:nvSpPr>
-            <p:cNvPr id="21" name="tx21"/>
-            <p:cNvSpPr/>
-            <p:nvPr/>
-          </p:nvSpPr>
-          <p:spPr>
-            <a:xfrm>
-              <a:off x="4134520" y="4266451"/>
-              <a:ext cx="409835" cy="109040"/>
+            <p:cNvPr id="45" name="tx45"/>
+            <p:cNvSpPr/>
+            <p:nvPr/>
+          </p:nvSpPr>
+          <p:spPr>
+            <a:xfrm>
+              <a:off x="1926599" y="1846507"/>
+              <a:ext cx="62155" cy="80327"/>
             </a:xfrm>
             <a:prstGeom prst="rect">
               <a:avLst/>
@@ -4841,7 +4805,7 @@
             <a:p>
               <a:pPr algn="l" marL="0" marR="0" indent="0">
                 <a:lnSpc>
-                  <a:spcPts val="1138"/>
+                  <a:spcPts val="880"/>
                 </a:lnSpc>
                 <a:spcBef>
                   <a:spcPts val="0"/>
@@ -4851,875 +4815,52 @@
                 </a:spcAft>
               </a:pPr>
               <a:r>
-                <a:rPr sz="1138">
+                <a:rPr sz="880" b="1">
                   <a:solidFill>
-                    <a:srgbClr val="FFFFFF">
+                    <a:srgbClr val="4D4D4D">
                       <a:alpha val="100000"/>
                     </a:srgbClr>
                   </a:solidFill>
                   <a:latin typeface="Arial"/>
                   <a:cs typeface="Arial"/>
                 </a:rPr>
-                <a:t>70.5%</a:t>
+                <a:t>1</a:t>
               </a:r>
             </a:p>
           </p:txBody>
         </p:sp>
         <p:sp>
           <p:nvSpPr>
-            <p:cNvPr id="22" name="tx22"/>
-            <p:cNvSpPr/>
-            <p:nvPr/>
-          </p:nvSpPr>
-          <p:spPr>
-            <a:xfrm>
-              <a:off x="5582203" y="3185742"/>
-              <a:ext cx="409835" cy="109040"/>
-            </a:xfrm>
-            <a:prstGeom prst="rect">
-              <a:avLst/>
-            </a:prstGeom>
-            <a:noFill/>
-          </p:spPr>
-          <p:txBody>
-            <a:bodyPr lIns="0" rIns="0" tIns="0" bIns="0" anchorCtr="1" anchor="ctr" wrap="none"/>
-            <a:lstStyle/>
-            <a:p>
-              <a:pPr algn="l" marL="0" marR="0" indent="0">
-                <a:lnSpc>
-                  <a:spcPts val="1138"/>
-                </a:lnSpc>
-                <a:spcBef>
-                  <a:spcPts val="0"/>
-                </a:spcBef>
-                <a:spcAft>
-                  <a:spcPts val="0"/>
-                </a:spcAft>
-              </a:pPr>
-              <a:r>
-                <a:rPr sz="1138">
-                  <a:solidFill>
-                    <a:srgbClr val="FFFFFF">
-                      <a:alpha val="100000"/>
-                    </a:srgbClr>
-                  </a:solidFill>
-                  <a:latin typeface="Arial"/>
-                  <a:cs typeface="Arial"/>
-                </a:rPr>
-                <a:t>29.5%</a:t>
-              </a:r>
-            </a:p>
-          </p:txBody>
-        </p:sp>
-        <p:sp>
-          <p:nvSpPr>
-            <p:cNvPr id="23" name="tx23"/>
-            <p:cNvSpPr/>
-            <p:nvPr/>
-          </p:nvSpPr>
-          <p:spPr>
-            <a:xfrm>
-              <a:off x="4135308" y="4270410"/>
-              <a:ext cx="409835" cy="109040"/>
-            </a:xfrm>
-            <a:prstGeom prst="rect">
-              <a:avLst/>
-            </a:prstGeom>
-            <a:noFill/>
-          </p:spPr>
-          <p:txBody>
-            <a:bodyPr lIns="0" rIns="0" tIns="0" bIns="0" anchorCtr="1" anchor="ctr" wrap="none"/>
-            <a:lstStyle/>
-            <a:p>
-              <a:pPr algn="l" marL="0" marR="0" indent="0">
-                <a:lnSpc>
-                  <a:spcPts val="1138"/>
-                </a:lnSpc>
-                <a:spcBef>
-                  <a:spcPts val="0"/>
-                </a:spcBef>
-                <a:spcAft>
-                  <a:spcPts val="0"/>
-                </a:spcAft>
-              </a:pPr>
-              <a:r>
-                <a:rPr sz="1138">
-                  <a:solidFill>
-                    <a:srgbClr val="FFFFFF">
-                      <a:alpha val="100000"/>
-                    </a:srgbClr>
-                  </a:solidFill>
-                  <a:latin typeface="Arial"/>
-                  <a:cs typeface="Arial"/>
-                </a:rPr>
-                <a:t>70.5%</a:t>
-              </a:r>
-            </a:p>
-          </p:txBody>
-        </p:sp>
-        <p:sp>
-          <p:nvSpPr>
-            <p:cNvPr id="24" name="tx24"/>
-            <p:cNvSpPr/>
-            <p:nvPr/>
-          </p:nvSpPr>
-          <p:spPr>
-            <a:xfrm>
-              <a:off x="5584446" y="3189099"/>
-              <a:ext cx="409835" cy="109040"/>
-            </a:xfrm>
-            <a:prstGeom prst="rect">
-              <a:avLst/>
-            </a:prstGeom>
-            <a:noFill/>
-          </p:spPr>
-          <p:txBody>
-            <a:bodyPr lIns="0" rIns="0" tIns="0" bIns="0" anchorCtr="1" anchor="ctr" wrap="none"/>
-            <a:lstStyle/>
-            <a:p>
-              <a:pPr algn="l" marL="0" marR="0" indent="0">
-                <a:lnSpc>
-                  <a:spcPts val="1138"/>
-                </a:lnSpc>
-                <a:spcBef>
-                  <a:spcPts val="0"/>
-                </a:spcBef>
-                <a:spcAft>
-                  <a:spcPts val="0"/>
-                </a:spcAft>
-              </a:pPr>
-              <a:r>
-                <a:rPr sz="1138">
-                  <a:solidFill>
-                    <a:srgbClr val="FFFFFF">
-                      <a:alpha val="100000"/>
-                    </a:srgbClr>
-                  </a:solidFill>
-                  <a:latin typeface="Arial"/>
-                  <a:cs typeface="Arial"/>
-                </a:rPr>
-                <a:t>29.5%</a:t>
-              </a:r>
-            </a:p>
-          </p:txBody>
-        </p:sp>
-        <p:sp>
-          <p:nvSpPr>
-            <p:cNvPr id="25" name="tx25"/>
-            <p:cNvSpPr/>
-            <p:nvPr/>
-          </p:nvSpPr>
-          <p:spPr>
-            <a:xfrm>
-              <a:off x="4137551" y="4273767"/>
-              <a:ext cx="409835" cy="109040"/>
-            </a:xfrm>
-            <a:prstGeom prst="rect">
-              <a:avLst/>
-            </a:prstGeom>
-            <a:noFill/>
-          </p:spPr>
-          <p:txBody>
-            <a:bodyPr lIns="0" rIns="0" tIns="0" bIns="0" anchorCtr="1" anchor="ctr" wrap="none"/>
-            <a:lstStyle/>
-            <a:p>
-              <a:pPr algn="l" marL="0" marR="0" indent="0">
-                <a:lnSpc>
-                  <a:spcPts val="1138"/>
-                </a:lnSpc>
-                <a:spcBef>
-                  <a:spcPts val="0"/>
-                </a:spcBef>
-                <a:spcAft>
-                  <a:spcPts val="0"/>
-                </a:spcAft>
-              </a:pPr>
-              <a:r>
-                <a:rPr sz="1138">
-                  <a:solidFill>
-                    <a:srgbClr val="FFFFFF">
-                      <a:alpha val="100000"/>
-                    </a:srgbClr>
-                  </a:solidFill>
-                  <a:latin typeface="Arial"/>
-                  <a:cs typeface="Arial"/>
-                </a:rPr>
-                <a:t>70.5%</a:t>
-              </a:r>
-            </a:p>
-          </p:txBody>
-        </p:sp>
-        <p:sp>
-          <p:nvSpPr>
-            <p:cNvPr id="26" name="tx26"/>
-            <p:cNvSpPr/>
-            <p:nvPr/>
-          </p:nvSpPr>
-          <p:spPr>
-            <a:xfrm>
-              <a:off x="5587803" y="3191341"/>
-              <a:ext cx="409835" cy="109040"/>
-            </a:xfrm>
-            <a:prstGeom prst="rect">
-              <a:avLst/>
-            </a:prstGeom>
-            <a:noFill/>
-          </p:spPr>
-          <p:txBody>
-            <a:bodyPr lIns="0" rIns="0" tIns="0" bIns="0" anchorCtr="1" anchor="ctr" wrap="none"/>
-            <a:lstStyle/>
-            <a:p>
-              <a:pPr algn="l" marL="0" marR="0" indent="0">
-                <a:lnSpc>
-                  <a:spcPts val="1138"/>
-                </a:lnSpc>
-                <a:spcBef>
-                  <a:spcPts val="0"/>
-                </a:spcBef>
-                <a:spcAft>
-                  <a:spcPts val="0"/>
-                </a:spcAft>
-              </a:pPr>
-              <a:r>
-                <a:rPr sz="1138">
-                  <a:solidFill>
-                    <a:srgbClr val="FFFFFF">
-                      <a:alpha val="100000"/>
-                    </a:srgbClr>
-                  </a:solidFill>
-                  <a:latin typeface="Arial"/>
-                  <a:cs typeface="Arial"/>
-                </a:rPr>
-                <a:t>29.5%</a:t>
-              </a:r>
-            </a:p>
-          </p:txBody>
-        </p:sp>
-        <p:sp>
-          <p:nvSpPr>
-            <p:cNvPr id="27" name="tx27"/>
-            <p:cNvSpPr/>
-            <p:nvPr/>
-          </p:nvSpPr>
-          <p:spPr>
-            <a:xfrm>
-              <a:off x="4140907" y="4276010"/>
-              <a:ext cx="409835" cy="109040"/>
-            </a:xfrm>
-            <a:prstGeom prst="rect">
-              <a:avLst/>
-            </a:prstGeom>
-            <a:noFill/>
-          </p:spPr>
-          <p:txBody>
-            <a:bodyPr lIns="0" rIns="0" tIns="0" bIns="0" anchorCtr="1" anchor="ctr" wrap="none"/>
-            <a:lstStyle/>
-            <a:p>
-              <a:pPr algn="l" marL="0" marR="0" indent="0">
-                <a:lnSpc>
-                  <a:spcPts val="1138"/>
-                </a:lnSpc>
-                <a:spcBef>
-                  <a:spcPts val="0"/>
-                </a:spcBef>
-                <a:spcAft>
-                  <a:spcPts val="0"/>
-                </a:spcAft>
-              </a:pPr>
-              <a:r>
-                <a:rPr sz="1138">
-                  <a:solidFill>
-                    <a:srgbClr val="FFFFFF">
-                      <a:alpha val="100000"/>
-                    </a:srgbClr>
-                  </a:solidFill>
-                  <a:latin typeface="Arial"/>
-                  <a:cs typeface="Arial"/>
-                </a:rPr>
-                <a:t>70.5%</a:t>
-              </a:r>
-            </a:p>
-          </p:txBody>
-        </p:sp>
-        <p:sp>
-          <p:nvSpPr>
-            <p:cNvPr id="28" name="tx28"/>
-            <p:cNvSpPr/>
-            <p:nvPr/>
-          </p:nvSpPr>
-          <p:spPr>
-            <a:xfrm>
-              <a:off x="5591762" y="3192129"/>
-              <a:ext cx="409835" cy="109040"/>
-            </a:xfrm>
-            <a:prstGeom prst="rect">
-              <a:avLst/>
-            </a:prstGeom>
-            <a:noFill/>
-          </p:spPr>
-          <p:txBody>
-            <a:bodyPr lIns="0" rIns="0" tIns="0" bIns="0" anchorCtr="1" anchor="ctr" wrap="none"/>
-            <a:lstStyle/>
-            <a:p>
-              <a:pPr algn="l" marL="0" marR="0" indent="0">
-                <a:lnSpc>
-                  <a:spcPts val="1138"/>
-                </a:lnSpc>
-                <a:spcBef>
-                  <a:spcPts val="0"/>
-                </a:spcBef>
-                <a:spcAft>
-                  <a:spcPts val="0"/>
-                </a:spcAft>
-              </a:pPr>
-              <a:r>
-                <a:rPr sz="1138">
-                  <a:solidFill>
-                    <a:srgbClr val="FFFFFF">
-                      <a:alpha val="100000"/>
-                    </a:srgbClr>
-                  </a:solidFill>
-                  <a:latin typeface="Arial"/>
-                  <a:cs typeface="Arial"/>
-                </a:rPr>
-                <a:t>29.5%</a:t>
-              </a:r>
-            </a:p>
-          </p:txBody>
-        </p:sp>
-        <p:sp>
-          <p:nvSpPr>
-            <p:cNvPr id="29" name="tx29"/>
-            <p:cNvSpPr/>
-            <p:nvPr/>
-          </p:nvSpPr>
-          <p:spPr>
-            <a:xfrm>
-              <a:off x="4144867" y="4276797"/>
-              <a:ext cx="409835" cy="109040"/>
-            </a:xfrm>
-            <a:prstGeom prst="rect">
-              <a:avLst/>
-            </a:prstGeom>
-            <a:noFill/>
-          </p:spPr>
-          <p:txBody>
-            <a:bodyPr lIns="0" rIns="0" tIns="0" bIns="0" anchorCtr="1" anchor="ctr" wrap="none"/>
-            <a:lstStyle/>
-            <a:p>
-              <a:pPr algn="l" marL="0" marR="0" indent="0">
-                <a:lnSpc>
-                  <a:spcPts val="1138"/>
-                </a:lnSpc>
-                <a:spcBef>
-                  <a:spcPts val="0"/>
-                </a:spcBef>
-                <a:spcAft>
-                  <a:spcPts val="0"/>
-                </a:spcAft>
-              </a:pPr>
-              <a:r>
-                <a:rPr sz="1138">
-                  <a:solidFill>
-                    <a:srgbClr val="FFFFFF">
-                      <a:alpha val="100000"/>
-                    </a:srgbClr>
-                  </a:solidFill>
-                  <a:latin typeface="Arial"/>
-                  <a:cs typeface="Arial"/>
-                </a:rPr>
-                <a:t>70.5%</a:t>
-              </a:r>
-            </a:p>
-          </p:txBody>
-        </p:sp>
-        <p:sp>
-          <p:nvSpPr>
-            <p:cNvPr id="30" name="tx30"/>
-            <p:cNvSpPr/>
-            <p:nvPr/>
-          </p:nvSpPr>
-          <p:spPr>
-            <a:xfrm>
-              <a:off x="5595722" y="3191341"/>
-              <a:ext cx="409835" cy="109040"/>
-            </a:xfrm>
-            <a:prstGeom prst="rect">
-              <a:avLst/>
-            </a:prstGeom>
-            <a:noFill/>
-          </p:spPr>
-          <p:txBody>
-            <a:bodyPr lIns="0" rIns="0" tIns="0" bIns="0" anchorCtr="1" anchor="ctr" wrap="none"/>
-            <a:lstStyle/>
-            <a:p>
-              <a:pPr algn="l" marL="0" marR="0" indent="0">
-                <a:lnSpc>
-                  <a:spcPts val="1138"/>
-                </a:lnSpc>
-                <a:spcBef>
-                  <a:spcPts val="0"/>
-                </a:spcBef>
-                <a:spcAft>
-                  <a:spcPts val="0"/>
-                </a:spcAft>
-              </a:pPr>
-              <a:r>
-                <a:rPr sz="1138">
-                  <a:solidFill>
-                    <a:srgbClr val="FFFFFF">
-                      <a:alpha val="100000"/>
-                    </a:srgbClr>
-                  </a:solidFill>
-                  <a:latin typeface="Arial"/>
-                  <a:cs typeface="Arial"/>
-                </a:rPr>
-                <a:t>29.5%</a:t>
-              </a:r>
-            </a:p>
-          </p:txBody>
-        </p:sp>
-        <p:sp>
-          <p:nvSpPr>
-            <p:cNvPr id="31" name="tx31"/>
-            <p:cNvSpPr/>
-            <p:nvPr/>
-          </p:nvSpPr>
-          <p:spPr>
-            <a:xfrm>
-              <a:off x="4148826" y="4276010"/>
-              <a:ext cx="409835" cy="109040"/>
-            </a:xfrm>
-            <a:prstGeom prst="rect">
-              <a:avLst/>
-            </a:prstGeom>
-            <a:noFill/>
-          </p:spPr>
-          <p:txBody>
-            <a:bodyPr lIns="0" rIns="0" tIns="0" bIns="0" anchorCtr="1" anchor="ctr" wrap="none"/>
-            <a:lstStyle/>
-            <a:p>
-              <a:pPr algn="l" marL="0" marR="0" indent="0">
-                <a:lnSpc>
-                  <a:spcPts val="1138"/>
-                </a:lnSpc>
-                <a:spcBef>
-                  <a:spcPts val="0"/>
-                </a:spcBef>
-                <a:spcAft>
-                  <a:spcPts val="0"/>
-                </a:spcAft>
-              </a:pPr>
-              <a:r>
-                <a:rPr sz="1138">
-                  <a:solidFill>
-                    <a:srgbClr val="FFFFFF">
-                      <a:alpha val="100000"/>
-                    </a:srgbClr>
-                  </a:solidFill>
-                  <a:latin typeface="Arial"/>
-                  <a:cs typeface="Arial"/>
-                </a:rPr>
-                <a:t>70.5%</a:t>
-              </a:r>
-            </a:p>
-          </p:txBody>
-        </p:sp>
-        <p:sp>
-          <p:nvSpPr>
-            <p:cNvPr id="32" name="tx32"/>
-            <p:cNvSpPr/>
-            <p:nvPr/>
-          </p:nvSpPr>
-          <p:spPr>
-            <a:xfrm>
-              <a:off x="5599078" y="3189099"/>
-              <a:ext cx="409835" cy="109040"/>
-            </a:xfrm>
-            <a:prstGeom prst="rect">
-              <a:avLst/>
-            </a:prstGeom>
-            <a:noFill/>
-          </p:spPr>
-          <p:txBody>
-            <a:bodyPr lIns="0" rIns="0" tIns="0" bIns="0" anchorCtr="1" anchor="ctr" wrap="none"/>
-            <a:lstStyle/>
-            <a:p>
-              <a:pPr algn="l" marL="0" marR="0" indent="0">
-                <a:lnSpc>
-                  <a:spcPts val="1138"/>
-                </a:lnSpc>
-                <a:spcBef>
-                  <a:spcPts val="0"/>
-                </a:spcBef>
-                <a:spcAft>
-                  <a:spcPts val="0"/>
-                </a:spcAft>
-              </a:pPr>
-              <a:r>
-                <a:rPr sz="1138">
-                  <a:solidFill>
-                    <a:srgbClr val="FFFFFF">
-                      <a:alpha val="100000"/>
-                    </a:srgbClr>
-                  </a:solidFill>
-                  <a:latin typeface="Arial"/>
-                  <a:cs typeface="Arial"/>
-                </a:rPr>
-                <a:t>29.5%</a:t>
-              </a:r>
-            </a:p>
-          </p:txBody>
-        </p:sp>
-        <p:sp>
-          <p:nvSpPr>
-            <p:cNvPr id="33" name="tx33"/>
-            <p:cNvSpPr/>
-            <p:nvPr/>
-          </p:nvSpPr>
-          <p:spPr>
-            <a:xfrm>
-              <a:off x="4152183" y="4273767"/>
-              <a:ext cx="409835" cy="109040"/>
-            </a:xfrm>
-            <a:prstGeom prst="rect">
-              <a:avLst/>
-            </a:prstGeom>
-            <a:noFill/>
-          </p:spPr>
-          <p:txBody>
-            <a:bodyPr lIns="0" rIns="0" tIns="0" bIns="0" anchorCtr="1" anchor="ctr" wrap="none"/>
-            <a:lstStyle/>
-            <a:p>
-              <a:pPr algn="l" marL="0" marR="0" indent="0">
-                <a:lnSpc>
-                  <a:spcPts val="1138"/>
-                </a:lnSpc>
-                <a:spcBef>
-                  <a:spcPts val="0"/>
-                </a:spcBef>
-                <a:spcAft>
-                  <a:spcPts val="0"/>
-                </a:spcAft>
-              </a:pPr>
-              <a:r>
-                <a:rPr sz="1138">
-                  <a:solidFill>
-                    <a:srgbClr val="FFFFFF">
-                      <a:alpha val="100000"/>
-                    </a:srgbClr>
-                  </a:solidFill>
-                  <a:latin typeface="Arial"/>
-                  <a:cs typeface="Arial"/>
-                </a:rPr>
-                <a:t>70.5%</a:t>
-              </a:r>
-            </a:p>
-          </p:txBody>
-        </p:sp>
-        <p:sp>
-          <p:nvSpPr>
-            <p:cNvPr id="34" name="tx34"/>
-            <p:cNvSpPr/>
-            <p:nvPr/>
-          </p:nvSpPr>
-          <p:spPr>
-            <a:xfrm>
-              <a:off x="5601321" y="3185742"/>
-              <a:ext cx="409835" cy="109040"/>
-            </a:xfrm>
-            <a:prstGeom prst="rect">
-              <a:avLst/>
-            </a:prstGeom>
-            <a:noFill/>
-          </p:spPr>
-          <p:txBody>
-            <a:bodyPr lIns="0" rIns="0" tIns="0" bIns="0" anchorCtr="1" anchor="ctr" wrap="none"/>
-            <a:lstStyle/>
-            <a:p>
-              <a:pPr algn="l" marL="0" marR="0" indent="0">
-                <a:lnSpc>
-                  <a:spcPts val="1138"/>
-                </a:lnSpc>
-                <a:spcBef>
-                  <a:spcPts val="0"/>
-                </a:spcBef>
-                <a:spcAft>
-                  <a:spcPts val="0"/>
-                </a:spcAft>
-              </a:pPr>
-              <a:r>
-                <a:rPr sz="1138">
-                  <a:solidFill>
-                    <a:srgbClr val="FFFFFF">
-                      <a:alpha val="100000"/>
-                    </a:srgbClr>
-                  </a:solidFill>
-                  <a:latin typeface="Arial"/>
-                  <a:cs typeface="Arial"/>
-                </a:rPr>
-                <a:t>29.5%</a:t>
-              </a:r>
-            </a:p>
-          </p:txBody>
-        </p:sp>
-        <p:sp>
-          <p:nvSpPr>
-            <p:cNvPr id="35" name="tx35"/>
-            <p:cNvSpPr/>
-            <p:nvPr/>
-          </p:nvSpPr>
-          <p:spPr>
-            <a:xfrm>
-              <a:off x="4154426" y="4270410"/>
-              <a:ext cx="409835" cy="109040"/>
-            </a:xfrm>
-            <a:prstGeom prst="rect">
-              <a:avLst/>
-            </a:prstGeom>
-            <a:noFill/>
-          </p:spPr>
-          <p:txBody>
-            <a:bodyPr lIns="0" rIns="0" tIns="0" bIns="0" anchorCtr="1" anchor="ctr" wrap="none"/>
-            <a:lstStyle/>
-            <a:p>
-              <a:pPr algn="l" marL="0" marR="0" indent="0">
-                <a:lnSpc>
-                  <a:spcPts val="1138"/>
-                </a:lnSpc>
-                <a:spcBef>
-                  <a:spcPts val="0"/>
-                </a:spcBef>
-                <a:spcAft>
-                  <a:spcPts val="0"/>
-                </a:spcAft>
-              </a:pPr>
-              <a:r>
-                <a:rPr sz="1138">
-                  <a:solidFill>
-                    <a:srgbClr val="FFFFFF">
-                      <a:alpha val="100000"/>
-                    </a:srgbClr>
-                  </a:solidFill>
-                  <a:latin typeface="Arial"/>
-                  <a:cs typeface="Arial"/>
-                </a:rPr>
-                <a:t>70.5%</a:t>
-              </a:r>
-            </a:p>
-          </p:txBody>
-        </p:sp>
-        <p:sp>
-          <p:nvSpPr>
-            <p:cNvPr id="36" name="tx36"/>
-            <p:cNvSpPr/>
-            <p:nvPr/>
-          </p:nvSpPr>
-          <p:spPr>
-            <a:xfrm>
-              <a:off x="5602109" y="3181782"/>
-              <a:ext cx="409835" cy="109040"/>
-            </a:xfrm>
-            <a:prstGeom prst="rect">
-              <a:avLst/>
-            </a:prstGeom>
-            <a:noFill/>
-          </p:spPr>
-          <p:txBody>
-            <a:bodyPr lIns="0" rIns="0" tIns="0" bIns="0" anchorCtr="1" anchor="ctr" wrap="none"/>
-            <a:lstStyle/>
-            <a:p>
-              <a:pPr algn="l" marL="0" marR="0" indent="0">
-                <a:lnSpc>
-                  <a:spcPts val="1138"/>
-                </a:lnSpc>
-                <a:spcBef>
-                  <a:spcPts val="0"/>
-                </a:spcBef>
-                <a:spcAft>
-                  <a:spcPts val="0"/>
-                </a:spcAft>
-              </a:pPr>
-              <a:r>
-                <a:rPr sz="1138">
-                  <a:solidFill>
-                    <a:srgbClr val="FFFFFF">
-                      <a:alpha val="100000"/>
-                    </a:srgbClr>
-                  </a:solidFill>
-                  <a:latin typeface="Arial"/>
-                  <a:cs typeface="Arial"/>
-                </a:rPr>
-                <a:t>29.5%</a:t>
-              </a:r>
-            </a:p>
-          </p:txBody>
-        </p:sp>
-        <p:sp>
-          <p:nvSpPr>
-            <p:cNvPr id="37" name="tx37"/>
-            <p:cNvSpPr/>
-            <p:nvPr/>
-          </p:nvSpPr>
-          <p:spPr>
-            <a:xfrm>
-              <a:off x="4155213" y="4266451"/>
-              <a:ext cx="409835" cy="109040"/>
-            </a:xfrm>
-            <a:prstGeom prst="rect">
-              <a:avLst/>
-            </a:prstGeom>
-            <a:noFill/>
-          </p:spPr>
-          <p:txBody>
-            <a:bodyPr lIns="0" rIns="0" tIns="0" bIns="0" anchorCtr="1" anchor="ctr" wrap="none"/>
-            <a:lstStyle/>
-            <a:p>
-              <a:pPr algn="l" marL="0" marR="0" indent="0">
-                <a:lnSpc>
-                  <a:spcPts val="1138"/>
-                </a:lnSpc>
-                <a:spcBef>
-                  <a:spcPts val="0"/>
-                </a:spcBef>
-                <a:spcAft>
-                  <a:spcPts val="0"/>
-                </a:spcAft>
-              </a:pPr>
-              <a:r>
-                <a:rPr sz="1138">
-                  <a:solidFill>
-                    <a:srgbClr val="FFFFFF">
-                      <a:alpha val="100000"/>
-                    </a:srgbClr>
-                  </a:solidFill>
-                  <a:latin typeface="Arial"/>
-                  <a:cs typeface="Arial"/>
-                </a:rPr>
-                <a:t>70.5%</a:t>
-              </a:r>
-            </a:p>
-          </p:txBody>
-        </p:sp>
-        <p:sp>
-          <p:nvSpPr>
-            <p:cNvPr id="38" name="tx38"/>
-            <p:cNvSpPr/>
-            <p:nvPr/>
-          </p:nvSpPr>
-          <p:spPr>
-            <a:xfrm>
-              <a:off x="5591762" y="3181782"/>
-              <a:ext cx="409835" cy="109040"/>
-            </a:xfrm>
-            <a:prstGeom prst="rect">
-              <a:avLst/>
-            </a:prstGeom>
-            <a:noFill/>
-          </p:spPr>
-          <p:txBody>
-            <a:bodyPr lIns="0" rIns="0" tIns="0" bIns="0" anchorCtr="1" anchor="ctr" wrap="none"/>
-            <a:lstStyle/>
-            <a:p>
-              <a:pPr algn="l" marL="0" marR="0" indent="0">
-                <a:lnSpc>
-                  <a:spcPts val="1138"/>
-                </a:lnSpc>
-                <a:spcBef>
-                  <a:spcPts val="0"/>
-                </a:spcBef>
-                <a:spcAft>
-                  <a:spcPts val="0"/>
-                </a:spcAft>
-              </a:pPr>
-              <a:r>
-                <a:rPr sz="1138">
-                  <a:solidFill>
-                    <a:srgbClr val="00BFC4">
-                      <a:alpha val="100000"/>
-                    </a:srgbClr>
-                  </a:solidFill>
-                  <a:latin typeface="Arial"/>
-                  <a:cs typeface="Arial"/>
-                </a:rPr>
-                <a:t>29.5%</a:t>
-              </a:r>
-            </a:p>
-          </p:txBody>
-        </p:sp>
-        <p:sp>
-          <p:nvSpPr>
-            <p:cNvPr id="39" name="tx39"/>
-            <p:cNvSpPr/>
-            <p:nvPr/>
-          </p:nvSpPr>
-          <p:spPr>
-            <a:xfrm>
-              <a:off x="4144867" y="4266451"/>
-              <a:ext cx="409835" cy="109040"/>
-            </a:xfrm>
-            <a:prstGeom prst="rect">
-              <a:avLst/>
-            </a:prstGeom>
-            <a:noFill/>
-          </p:spPr>
-          <p:txBody>
-            <a:bodyPr lIns="0" rIns="0" tIns="0" bIns="0" anchorCtr="1" anchor="ctr" wrap="none"/>
-            <a:lstStyle/>
-            <a:p>
-              <a:pPr algn="l" marL="0" marR="0" indent="0">
-                <a:lnSpc>
-                  <a:spcPts val="1138"/>
-                </a:lnSpc>
-                <a:spcBef>
-                  <a:spcPts val="0"/>
-                </a:spcBef>
-                <a:spcAft>
-                  <a:spcPts val="0"/>
-                </a:spcAft>
-              </a:pPr>
-              <a:r>
-                <a:rPr sz="1138">
-                  <a:solidFill>
-                    <a:srgbClr val="F8766D">
-                      <a:alpha val="100000"/>
-                    </a:srgbClr>
-                  </a:solidFill>
-                  <a:latin typeface="Arial"/>
-                  <a:cs typeface="Arial"/>
-                </a:rPr>
-                <a:t>70.5%</a:t>
-              </a:r>
-            </a:p>
-          </p:txBody>
-        </p:sp>
-        <p:sp>
-          <p:nvSpPr>
-            <p:cNvPr id="40" name="rc40"/>
-            <p:cNvSpPr/>
-            <p:nvPr/>
-          </p:nvSpPr>
-          <p:spPr>
-            <a:xfrm>
-              <a:off x="7414629" y="3671282"/>
-              <a:ext cx="201456" cy="201456"/>
-            </a:xfrm>
-            <a:prstGeom prst="rect">
-              <a:avLst/>
-            </a:prstGeom>
-            <a:solidFill>
-              <a:srgbClr val="00BFC4">
-                <a:alpha val="100000"/>
-              </a:srgbClr>
-            </a:solidFill>
-            <a:ln w="13550" cap="sq">
+            <p:cNvPr id="46" name="pl46"/>
+            <p:cNvSpPr/>
+            <p:nvPr/>
+          </p:nvSpPr>
+          <p:spPr>
+            <a:xfrm>
+              <a:off x="1988754" y="5342710"/>
+              <a:ext cx="34794" cy="0"/>
+            </a:xfrm>
+            <a:custGeom>
+              <a:avLst/>
+              <a:pathLst>
+                <a:path w="34794" h="0">
+                  <a:moveTo>
+                    <a:pt x="0" y="0"/>
+                  </a:moveTo>
+                  <a:lnTo>
+                    <a:pt x="34794" y="0"/>
+                  </a:lnTo>
+                </a:path>
+              </a:pathLst>
+            </a:custGeom>
+            <a:ln w="6775" cap="flat">
               <a:solidFill>
-                <a:srgbClr val="FFFFFF">
+                <a:srgbClr val="B3B3B3">
                   <a:alpha val="100000"/>
                 </a:srgbClr>
               </a:solidFill>
               <a:prstDash val="solid"/>
-              <a:miter/>
+              <a:round/>
             </a:ln>
           </p:spPr>
           <p:txBody>
@@ -5730,31 +4871,36 @@
         </p:sp>
         <p:sp>
           <p:nvSpPr>
-            <p:cNvPr id="41" name="rc41"/>
-            <p:cNvSpPr/>
-            <p:nvPr/>
-          </p:nvSpPr>
-          <p:spPr>
-            <a:xfrm>
-              <a:off x="7414629" y="3890738"/>
-              <a:ext cx="201456" cy="201455"/>
-            </a:xfrm>
-            <a:prstGeom prst="rect">
-              <a:avLst/>
-            </a:prstGeom>
-            <a:solidFill>
-              <a:srgbClr val="F8766D">
-                <a:alpha val="100000"/>
-              </a:srgbClr>
-            </a:solidFill>
-            <a:ln w="13550" cap="sq">
+            <p:cNvPr id="47" name="pl47"/>
+            <p:cNvSpPr/>
+            <p:nvPr/>
+          </p:nvSpPr>
+          <p:spPr>
+            <a:xfrm>
+              <a:off x="1988754" y="4849013"/>
+              <a:ext cx="34794" cy="0"/>
+            </a:xfrm>
+            <a:custGeom>
+              <a:avLst/>
+              <a:pathLst>
+                <a:path w="34794" h="0">
+                  <a:moveTo>
+                    <a:pt x="0" y="0"/>
+                  </a:moveTo>
+                  <a:lnTo>
+                    <a:pt x="34794" y="0"/>
+                  </a:lnTo>
+                </a:path>
+              </a:pathLst>
+            </a:custGeom>
+            <a:ln w="6775" cap="flat">
               <a:solidFill>
-                <a:srgbClr val="FFFFFF">
+                <a:srgbClr val="B3B3B3">
                   <a:alpha val="100000"/>
                 </a:srgbClr>
               </a:solidFill>
               <a:prstDash val="solid"/>
-              <a:miter/>
+              <a:round/>
             </a:ln>
           </p:spPr>
           <p:txBody>
@@ -5765,14 +4911,414 @@
         </p:sp>
         <p:sp>
           <p:nvSpPr>
-            <p:cNvPr id="42" name="tx42"/>
-            <p:cNvSpPr/>
-            <p:nvPr/>
-          </p:nvSpPr>
-          <p:spPr>
-            <a:xfrm>
-              <a:off x="7694674" y="3742160"/>
-              <a:ext cx="167640" cy="69850"/>
+            <p:cNvPr id="48" name="pl48"/>
+            <p:cNvSpPr/>
+            <p:nvPr/>
+          </p:nvSpPr>
+          <p:spPr>
+            <a:xfrm>
+              <a:off x="1988754" y="4355317"/>
+              <a:ext cx="34794" cy="0"/>
+            </a:xfrm>
+            <a:custGeom>
+              <a:avLst/>
+              <a:pathLst>
+                <a:path w="34794" h="0">
+                  <a:moveTo>
+                    <a:pt x="0" y="0"/>
+                  </a:moveTo>
+                  <a:lnTo>
+                    <a:pt x="34794" y="0"/>
+                  </a:lnTo>
+                </a:path>
+              </a:pathLst>
+            </a:custGeom>
+            <a:ln w="6775" cap="flat">
+              <a:solidFill>
+                <a:srgbClr val="B3B3B3">
+                  <a:alpha val="100000"/>
+                </a:srgbClr>
+              </a:solidFill>
+              <a:prstDash val="solid"/>
+              <a:round/>
+            </a:ln>
+          </p:spPr>
+          <p:txBody>
+            <a:bodyPr/>
+            <a:lstStyle/>
+            <a:p/>
+          </p:txBody>
+        </p:sp>
+        <p:sp>
+          <p:nvSpPr>
+            <p:cNvPr id="49" name="pl49"/>
+            <p:cNvSpPr/>
+            <p:nvPr/>
+          </p:nvSpPr>
+          <p:spPr>
+            <a:xfrm>
+              <a:off x="1988754" y="3861620"/>
+              <a:ext cx="34794" cy="0"/>
+            </a:xfrm>
+            <a:custGeom>
+              <a:avLst/>
+              <a:pathLst>
+                <a:path w="34794" h="0">
+                  <a:moveTo>
+                    <a:pt x="0" y="0"/>
+                  </a:moveTo>
+                  <a:lnTo>
+                    <a:pt x="34794" y="0"/>
+                  </a:lnTo>
+                </a:path>
+              </a:pathLst>
+            </a:custGeom>
+            <a:ln w="6775" cap="flat">
+              <a:solidFill>
+                <a:srgbClr val="B3B3B3">
+                  <a:alpha val="100000"/>
+                </a:srgbClr>
+              </a:solidFill>
+              <a:prstDash val="solid"/>
+              <a:round/>
+            </a:ln>
+          </p:spPr>
+          <p:txBody>
+            <a:bodyPr/>
+            <a:lstStyle/>
+            <a:p/>
+          </p:txBody>
+        </p:sp>
+        <p:sp>
+          <p:nvSpPr>
+            <p:cNvPr id="50" name="pl50"/>
+            <p:cNvSpPr/>
+            <p:nvPr/>
+          </p:nvSpPr>
+          <p:spPr>
+            <a:xfrm>
+              <a:off x="1988754" y="3367924"/>
+              <a:ext cx="34794" cy="0"/>
+            </a:xfrm>
+            <a:custGeom>
+              <a:avLst/>
+              <a:pathLst>
+                <a:path w="34794" h="0">
+                  <a:moveTo>
+                    <a:pt x="0" y="0"/>
+                  </a:moveTo>
+                  <a:lnTo>
+                    <a:pt x="34794" y="0"/>
+                  </a:lnTo>
+                </a:path>
+              </a:pathLst>
+            </a:custGeom>
+            <a:ln w="6775" cap="flat">
+              <a:solidFill>
+                <a:srgbClr val="B3B3B3">
+                  <a:alpha val="100000"/>
+                </a:srgbClr>
+              </a:solidFill>
+              <a:prstDash val="solid"/>
+              <a:round/>
+            </a:ln>
+          </p:spPr>
+          <p:txBody>
+            <a:bodyPr/>
+            <a:lstStyle/>
+            <a:p/>
+          </p:txBody>
+        </p:sp>
+        <p:sp>
+          <p:nvSpPr>
+            <p:cNvPr id="51" name="pl51"/>
+            <p:cNvSpPr/>
+            <p:nvPr/>
+          </p:nvSpPr>
+          <p:spPr>
+            <a:xfrm>
+              <a:off x="1988754" y="2874227"/>
+              <a:ext cx="34794" cy="0"/>
+            </a:xfrm>
+            <a:custGeom>
+              <a:avLst/>
+              <a:pathLst>
+                <a:path w="34794" h="0">
+                  <a:moveTo>
+                    <a:pt x="0" y="0"/>
+                  </a:moveTo>
+                  <a:lnTo>
+                    <a:pt x="34794" y="0"/>
+                  </a:lnTo>
+                </a:path>
+              </a:pathLst>
+            </a:custGeom>
+            <a:ln w="6775" cap="flat">
+              <a:solidFill>
+                <a:srgbClr val="B3B3B3">
+                  <a:alpha val="100000"/>
+                </a:srgbClr>
+              </a:solidFill>
+              <a:prstDash val="solid"/>
+              <a:round/>
+            </a:ln>
+          </p:spPr>
+          <p:txBody>
+            <a:bodyPr/>
+            <a:lstStyle/>
+            <a:p/>
+          </p:txBody>
+        </p:sp>
+        <p:sp>
+          <p:nvSpPr>
+            <p:cNvPr id="52" name="pl52"/>
+            <p:cNvSpPr/>
+            <p:nvPr/>
+          </p:nvSpPr>
+          <p:spPr>
+            <a:xfrm>
+              <a:off x="1988754" y="2380531"/>
+              <a:ext cx="34794" cy="0"/>
+            </a:xfrm>
+            <a:custGeom>
+              <a:avLst/>
+              <a:pathLst>
+                <a:path w="34794" h="0">
+                  <a:moveTo>
+                    <a:pt x="0" y="0"/>
+                  </a:moveTo>
+                  <a:lnTo>
+                    <a:pt x="34794" y="0"/>
+                  </a:lnTo>
+                </a:path>
+              </a:pathLst>
+            </a:custGeom>
+            <a:ln w="6775" cap="flat">
+              <a:solidFill>
+                <a:srgbClr val="B3B3B3">
+                  <a:alpha val="100000"/>
+                </a:srgbClr>
+              </a:solidFill>
+              <a:prstDash val="solid"/>
+              <a:round/>
+            </a:ln>
+          </p:spPr>
+          <p:txBody>
+            <a:bodyPr/>
+            <a:lstStyle/>
+            <a:p/>
+          </p:txBody>
+        </p:sp>
+        <p:sp>
+          <p:nvSpPr>
+            <p:cNvPr id="53" name="pl53"/>
+            <p:cNvSpPr/>
+            <p:nvPr/>
+          </p:nvSpPr>
+          <p:spPr>
+            <a:xfrm>
+              <a:off x="1988754" y="1886835"/>
+              <a:ext cx="34794" cy="0"/>
+            </a:xfrm>
+            <a:custGeom>
+              <a:avLst/>
+              <a:pathLst>
+                <a:path w="34794" h="0">
+                  <a:moveTo>
+                    <a:pt x="0" y="0"/>
+                  </a:moveTo>
+                  <a:lnTo>
+                    <a:pt x="34794" y="0"/>
+                  </a:lnTo>
+                </a:path>
+              </a:pathLst>
+            </a:custGeom>
+            <a:ln w="6775" cap="flat">
+              <a:solidFill>
+                <a:srgbClr val="B3B3B3">
+                  <a:alpha val="100000"/>
+                </a:srgbClr>
+              </a:solidFill>
+              <a:prstDash val="solid"/>
+              <a:round/>
+            </a:ln>
+          </p:spPr>
+          <p:txBody>
+            <a:bodyPr/>
+            <a:lstStyle/>
+            <a:p/>
+          </p:txBody>
+        </p:sp>
+        <p:sp>
+          <p:nvSpPr>
+            <p:cNvPr id="54" name="pl54"/>
+            <p:cNvSpPr/>
+            <p:nvPr/>
+          </p:nvSpPr>
+          <p:spPr>
+            <a:xfrm>
+              <a:off x="2023549" y="5638927"/>
+              <a:ext cx="0" cy="34794"/>
+            </a:xfrm>
+            <a:custGeom>
+              <a:avLst/>
+              <a:pathLst>
+                <a:path w="0" h="34794">
+                  <a:moveTo>
+                    <a:pt x="0" y="34794"/>
+                  </a:moveTo>
+                  <a:lnTo>
+                    <a:pt x="0" y="0"/>
+                  </a:lnTo>
+                </a:path>
+              </a:pathLst>
+            </a:custGeom>
+            <a:ln w="6775" cap="flat">
+              <a:solidFill>
+                <a:srgbClr val="B3B3B3">
+                  <a:alpha val="100000"/>
+                </a:srgbClr>
+              </a:solidFill>
+              <a:prstDash val="solid"/>
+              <a:round/>
+            </a:ln>
+          </p:spPr>
+          <p:txBody>
+            <a:bodyPr/>
+            <a:lstStyle/>
+            <a:p/>
+          </p:txBody>
+        </p:sp>
+        <p:sp>
+          <p:nvSpPr>
+            <p:cNvPr id="55" name="pl55"/>
+            <p:cNvSpPr/>
+            <p:nvPr/>
+          </p:nvSpPr>
+          <p:spPr>
+            <a:xfrm>
+              <a:off x="4123296" y="5638927"/>
+              <a:ext cx="0" cy="34794"/>
+            </a:xfrm>
+            <a:custGeom>
+              <a:avLst/>
+              <a:pathLst>
+                <a:path w="0" h="34794">
+                  <a:moveTo>
+                    <a:pt x="0" y="34794"/>
+                  </a:moveTo>
+                  <a:lnTo>
+                    <a:pt x="0" y="0"/>
+                  </a:lnTo>
+                </a:path>
+              </a:pathLst>
+            </a:custGeom>
+            <a:ln w="6775" cap="flat">
+              <a:solidFill>
+                <a:srgbClr val="B3B3B3">
+                  <a:alpha val="100000"/>
+                </a:srgbClr>
+              </a:solidFill>
+              <a:prstDash val="solid"/>
+              <a:round/>
+            </a:ln>
+          </p:spPr>
+          <p:txBody>
+            <a:bodyPr/>
+            <a:lstStyle/>
+            <a:p/>
+          </p:txBody>
+        </p:sp>
+        <p:sp>
+          <p:nvSpPr>
+            <p:cNvPr id="56" name="pl56"/>
+            <p:cNvSpPr/>
+            <p:nvPr/>
+          </p:nvSpPr>
+          <p:spPr>
+            <a:xfrm>
+              <a:off x="6223043" y="5638927"/>
+              <a:ext cx="0" cy="34794"/>
+            </a:xfrm>
+            <a:custGeom>
+              <a:avLst/>
+              <a:pathLst>
+                <a:path w="0" h="34794">
+                  <a:moveTo>
+                    <a:pt x="0" y="34794"/>
+                  </a:moveTo>
+                  <a:lnTo>
+                    <a:pt x="0" y="0"/>
+                  </a:lnTo>
+                </a:path>
+              </a:pathLst>
+            </a:custGeom>
+            <a:ln w="6775" cap="flat">
+              <a:solidFill>
+                <a:srgbClr val="B3B3B3">
+                  <a:alpha val="100000"/>
+                </a:srgbClr>
+              </a:solidFill>
+              <a:prstDash val="solid"/>
+              <a:round/>
+            </a:ln>
+          </p:spPr>
+          <p:txBody>
+            <a:bodyPr/>
+            <a:lstStyle/>
+            <a:p/>
+          </p:txBody>
+        </p:sp>
+        <p:sp>
+          <p:nvSpPr>
+            <p:cNvPr id="57" name="pl57"/>
+            <p:cNvSpPr/>
+            <p:nvPr/>
+          </p:nvSpPr>
+          <p:spPr>
+            <a:xfrm>
+              <a:off x="8322790" y="5638927"/>
+              <a:ext cx="0" cy="34794"/>
+            </a:xfrm>
+            <a:custGeom>
+              <a:avLst/>
+              <a:pathLst>
+                <a:path w="0" h="34794">
+                  <a:moveTo>
+                    <a:pt x="0" y="34794"/>
+                  </a:moveTo>
+                  <a:lnTo>
+                    <a:pt x="0" y="0"/>
+                  </a:lnTo>
+                </a:path>
+              </a:pathLst>
+            </a:custGeom>
+            <a:ln w="6775" cap="flat">
+              <a:solidFill>
+                <a:srgbClr val="B3B3B3">
+                  <a:alpha val="100000"/>
+                </a:srgbClr>
+              </a:solidFill>
+              <a:prstDash val="solid"/>
+              <a:round/>
+            </a:ln>
+          </p:spPr>
+          <p:txBody>
+            <a:bodyPr/>
+            <a:lstStyle/>
+            <a:p/>
+          </p:txBody>
+        </p:sp>
+        <p:sp>
+          <p:nvSpPr>
+            <p:cNvPr id="58" name="tx58"/>
+            <p:cNvSpPr/>
+            <p:nvPr/>
+          </p:nvSpPr>
+          <p:spPr>
+            <a:xfrm>
+              <a:off x="1992471" y="5699866"/>
+              <a:ext cx="62155" cy="81691"/>
             </a:xfrm>
             <a:prstGeom prst="rect">
               <a:avLst/>
@@ -5797,28 +5343,28 @@
               <a:r>
                 <a:rPr sz="880">
                   <a:solidFill>
-                    <a:srgbClr val="000000">
+                    <a:srgbClr val="4D4D4D">
                       <a:alpha val="100000"/>
                     </a:srgbClr>
                   </a:solidFill>
                   <a:latin typeface="Arial"/>
                   <a:cs typeface="Arial"/>
                 </a:rPr>
-                <a:t>男性</a:t>
+                <a:t>0</a:t>
               </a:r>
             </a:p>
           </p:txBody>
         </p:sp>
         <p:sp>
           <p:nvSpPr>
-            <p:cNvPr id="43" name="tx43"/>
-            <p:cNvSpPr/>
-            <p:nvPr/>
-          </p:nvSpPr>
-          <p:spPr>
-            <a:xfrm>
-              <a:off x="7694674" y="3961616"/>
-              <a:ext cx="167640" cy="69850"/>
+            <p:cNvPr id="59" name="tx59"/>
+            <p:cNvSpPr/>
+            <p:nvPr/>
+          </p:nvSpPr>
+          <p:spPr>
+            <a:xfrm>
+              <a:off x="3998985" y="5699866"/>
+              <a:ext cx="248622" cy="81691"/>
             </a:xfrm>
             <a:prstGeom prst="rect">
               <a:avLst/>
@@ -5843,14 +5389,106 @@
               <a:r>
                 <a:rPr sz="880">
                   <a:solidFill>
-                    <a:srgbClr val="000000">
+                    <a:srgbClr val="4D4D4D">
                       <a:alpha val="100000"/>
                     </a:srgbClr>
                   </a:solidFill>
                   <a:latin typeface="Arial"/>
                   <a:cs typeface="Arial"/>
                 </a:rPr>
-                <a:t>女性</a:t>
+                <a:t>1000</a:t>
+              </a:r>
+            </a:p>
+          </p:txBody>
+        </p:sp>
+        <p:sp>
+          <p:nvSpPr>
+            <p:cNvPr id="60" name="tx60"/>
+            <p:cNvSpPr/>
+            <p:nvPr/>
+          </p:nvSpPr>
+          <p:spPr>
+            <a:xfrm>
+              <a:off x="6098732" y="5699866"/>
+              <a:ext cx="248622" cy="81691"/>
+            </a:xfrm>
+            <a:prstGeom prst="rect">
+              <a:avLst/>
+            </a:prstGeom>
+            <a:noFill/>
+          </p:spPr>
+          <p:txBody>
+            <a:bodyPr lIns="0" rIns="0" tIns="0" bIns="0" anchorCtr="1" anchor="ctr" wrap="none"/>
+            <a:lstStyle/>
+            <a:p>
+              <a:pPr algn="l" marL="0" marR="0" indent="0">
+                <a:lnSpc>
+                  <a:spcPts val="880"/>
+                </a:lnSpc>
+                <a:spcBef>
+                  <a:spcPts val="0"/>
+                </a:spcBef>
+                <a:spcAft>
+                  <a:spcPts val="0"/>
+                </a:spcAft>
+              </a:pPr>
+              <a:r>
+                <a:rPr sz="880">
+                  <a:solidFill>
+                    <a:srgbClr val="4D4D4D">
+                      <a:alpha val="100000"/>
+                    </a:srgbClr>
+                  </a:solidFill>
+                  <a:latin typeface="Arial"/>
+                  <a:cs typeface="Arial"/>
+                </a:rPr>
+                <a:t>2000</a:t>
+              </a:r>
+            </a:p>
+          </p:txBody>
+        </p:sp>
+        <p:sp>
+          <p:nvSpPr>
+            <p:cNvPr id="61" name="tx61"/>
+            <p:cNvSpPr/>
+            <p:nvPr/>
+          </p:nvSpPr>
+          <p:spPr>
+            <a:xfrm>
+              <a:off x="8198479" y="5699811"/>
+              <a:ext cx="248622" cy="81746"/>
+            </a:xfrm>
+            <a:prstGeom prst="rect">
+              <a:avLst/>
+            </a:prstGeom>
+            <a:noFill/>
+          </p:spPr>
+          <p:txBody>
+            <a:bodyPr lIns="0" rIns="0" tIns="0" bIns="0" anchorCtr="1" anchor="ctr" wrap="none"/>
+            <a:lstStyle/>
+            <a:p>
+              <a:pPr algn="l" marL="0" marR="0" indent="0">
+                <a:lnSpc>
+                  <a:spcPts val="880"/>
+                </a:lnSpc>
+                <a:spcBef>
+                  <a:spcPts val="0"/>
+                </a:spcBef>
+                <a:spcAft>
+                  <a:spcPts val="0"/>
+                </a:spcAft>
+              </a:pPr>
+              <a:r>
+                <a:rPr sz="880">
+                  <a:solidFill>
+                    <a:srgbClr val="4D4D4D">
+                      <a:alpha val="100000"/>
+                    </a:srgbClr>
+                  </a:solidFill>
+                  <a:latin typeface="Arial"/>
+                  <a:cs typeface="Arial"/>
+                </a:rPr>
+                <a:t>3000</a:t>
               </a:r>
             </a:p>
           </p:txBody>

--- a/_book/plot/unnamed-chunk-60-1.pptx
+++ b/_book/plot/unnamed-chunk-60-1.pptx
@@ -3192,8 +3192,8 @@
           </p:nvSpPr>
           <p:spPr>
             <a:xfrm>
-              <a:off x="2019661" y="1590617"/>
-              <a:ext cx="6917431" cy="4055309"/>
+              <a:off x="2017917" y="1590617"/>
+              <a:ext cx="6919174" cy="4059006"/>
             </a:xfrm>
             <a:prstGeom prst="rect">
               <a:avLst/>
@@ -3218,15 +3218,15 @@
           </p:nvSpPr>
           <p:spPr>
             <a:xfrm>
-              <a:off x="2899271" y="1590617"/>
-              <a:ext cx="0" cy="4055309"/>
+              <a:off x="2897749" y="1590617"/>
+              <a:ext cx="0" cy="4059006"/>
             </a:xfrm>
             <a:custGeom>
               <a:avLst/>
               <a:pathLst>
-                <a:path w="0" h="4055309">
+                <a:path w="0" h="4059006">
                   <a:moveTo>
-                    <a:pt x="0" y="4055309"/>
+                    <a:pt x="0" y="4059006"/>
                   </a:moveTo>
                   <a:lnTo>
                     <a:pt x="0" y="0"/>
@@ -3261,15 +3261,15 @@
           </p:nvSpPr>
           <p:spPr>
             <a:xfrm>
-              <a:off x="4658492" y="1590617"/>
-              <a:ext cx="0" cy="4055309"/>
+              <a:off x="4657413" y="1590617"/>
+              <a:ext cx="0" cy="4059006"/>
             </a:xfrm>
             <a:custGeom>
               <a:avLst/>
               <a:pathLst>
-                <a:path w="0" h="4055309">
+                <a:path w="0" h="4059006">
                   <a:moveTo>
-                    <a:pt x="0" y="4055309"/>
+                    <a:pt x="0" y="4059006"/>
                   </a:moveTo>
                   <a:lnTo>
                     <a:pt x="0" y="0"/>
@@ -3304,15 +3304,15 @@
           </p:nvSpPr>
           <p:spPr>
             <a:xfrm>
-              <a:off x="6417712" y="1590617"/>
-              <a:ext cx="0" cy="4055309"/>
+              <a:off x="6417077" y="1590617"/>
+              <a:ext cx="0" cy="4059006"/>
             </a:xfrm>
             <a:custGeom>
               <a:avLst/>
               <a:pathLst>
-                <a:path w="0" h="4055309">
+                <a:path w="0" h="4059006">
                   <a:moveTo>
-                    <a:pt x="0" y="4055309"/>
+                    <a:pt x="0" y="4059006"/>
                   </a:moveTo>
                   <a:lnTo>
                     <a:pt x="0" y="0"/>
@@ -3347,15 +3347,15 @@
           </p:nvSpPr>
           <p:spPr>
             <a:xfrm>
-              <a:off x="8176933" y="1590617"/>
-              <a:ext cx="0" cy="4055309"/>
+              <a:off x="8176741" y="1590617"/>
+              <a:ext cx="0" cy="4059006"/>
             </a:xfrm>
             <a:custGeom>
               <a:avLst/>
               <a:pathLst>
-                <a:path w="0" h="4055309">
+                <a:path w="0" h="4059006">
                   <a:moveTo>
-                    <a:pt x="0" y="4055309"/>
+                    <a:pt x="0" y="4059006"/>
                   </a:moveTo>
                   <a:lnTo>
                     <a:pt x="0" y="0"/>
@@ -3390,21 +3390,21 @@
           </p:nvSpPr>
           <p:spPr>
             <a:xfrm>
-              <a:off x="2019661" y="5066596"/>
-              <a:ext cx="6917431" cy="0"/>
+              <a:off x="2017917" y="5069765"/>
+              <a:ext cx="6919174" cy="0"/>
             </a:xfrm>
             <a:custGeom>
               <a:avLst/>
               <a:pathLst>
-                <a:path w="6917431" h="0">
+                <a:path w="6919174" h="0">
                   <a:moveTo>
                     <a:pt x="0" y="0"/>
                   </a:moveTo>
                   <a:lnTo>
-                    <a:pt x="6917431" y="0"/>
-                  </a:lnTo>
-                  <a:lnTo>
-                    <a:pt x="6917431" y="0"/>
+                    <a:pt x="6919174" y="0"/>
+                  </a:lnTo>
+                  <a:lnTo>
+                    <a:pt x="6919174" y="0"/>
                   </a:lnTo>
                 </a:path>
               </a:pathLst>
@@ -3433,21 +3433,21 @@
           </p:nvSpPr>
           <p:spPr>
             <a:xfrm>
-              <a:off x="2019661" y="4101046"/>
-              <a:ext cx="6917431" cy="0"/>
+              <a:off x="2017917" y="4103335"/>
+              <a:ext cx="6919174" cy="0"/>
             </a:xfrm>
             <a:custGeom>
               <a:avLst/>
               <a:pathLst>
-                <a:path w="6917431" h="0">
+                <a:path w="6919174" h="0">
                   <a:moveTo>
                     <a:pt x="0" y="0"/>
                   </a:moveTo>
                   <a:lnTo>
-                    <a:pt x="6917431" y="0"/>
-                  </a:lnTo>
-                  <a:lnTo>
-                    <a:pt x="6917431" y="0"/>
+                    <a:pt x="6919174" y="0"/>
+                  </a:lnTo>
+                  <a:lnTo>
+                    <a:pt x="6919174" y="0"/>
                   </a:lnTo>
                 </a:path>
               </a:pathLst>
@@ -3476,21 +3476,21 @@
           </p:nvSpPr>
           <p:spPr>
             <a:xfrm>
-              <a:off x="2019661" y="3135496"/>
-              <a:ext cx="6917431" cy="0"/>
+              <a:off x="2017917" y="3136905"/>
+              <a:ext cx="6919174" cy="0"/>
             </a:xfrm>
             <a:custGeom>
               <a:avLst/>
               <a:pathLst>
-                <a:path w="6917431" h="0">
+                <a:path w="6919174" h="0">
                   <a:moveTo>
                     <a:pt x="0" y="0"/>
                   </a:moveTo>
                   <a:lnTo>
-                    <a:pt x="6917431" y="0"/>
-                  </a:lnTo>
-                  <a:lnTo>
-                    <a:pt x="6917431" y="0"/>
+                    <a:pt x="6919174" y="0"/>
+                  </a:lnTo>
+                  <a:lnTo>
+                    <a:pt x="6919174" y="0"/>
                   </a:lnTo>
                 </a:path>
               </a:pathLst>
@@ -3519,21 +3519,21 @@
           </p:nvSpPr>
           <p:spPr>
             <a:xfrm>
-              <a:off x="2019661" y="2169947"/>
-              <a:ext cx="6917431" cy="0"/>
+              <a:off x="2017917" y="2170475"/>
+              <a:ext cx="6919174" cy="0"/>
             </a:xfrm>
             <a:custGeom>
               <a:avLst/>
               <a:pathLst>
-                <a:path w="6917431" h="0">
+                <a:path w="6919174" h="0">
                   <a:moveTo>
                     <a:pt x="0" y="0"/>
                   </a:moveTo>
                   <a:lnTo>
-                    <a:pt x="6917431" y="0"/>
-                  </a:lnTo>
-                  <a:lnTo>
-                    <a:pt x="6917431" y="0"/>
+                    <a:pt x="6919174" y="0"/>
+                  </a:lnTo>
+                  <a:lnTo>
+                    <a:pt x="6919174" y="0"/>
                   </a:lnTo>
                 </a:path>
               </a:pathLst>
@@ -3562,15 +3562,15 @@
           </p:nvSpPr>
           <p:spPr>
             <a:xfrm>
-              <a:off x="2019661" y="1590617"/>
-              <a:ext cx="0" cy="4055309"/>
+              <a:off x="2017917" y="1590617"/>
+              <a:ext cx="0" cy="4059006"/>
             </a:xfrm>
             <a:custGeom>
               <a:avLst/>
               <a:pathLst>
-                <a:path w="0" h="4055309">
+                <a:path w="0" h="4059006">
                   <a:moveTo>
-                    <a:pt x="0" y="4055309"/>
+                    <a:pt x="0" y="4059006"/>
                   </a:moveTo>
                   <a:lnTo>
                     <a:pt x="0" y="0"/>
@@ -3605,15 +3605,15 @@
           </p:nvSpPr>
           <p:spPr>
             <a:xfrm>
-              <a:off x="3778881" y="1590617"/>
-              <a:ext cx="0" cy="4055309"/>
+              <a:off x="3777581" y="1590617"/>
+              <a:ext cx="0" cy="4059006"/>
             </a:xfrm>
             <a:custGeom>
               <a:avLst/>
               <a:pathLst>
-                <a:path w="0" h="4055309">
+                <a:path w="0" h="4059006">
                   <a:moveTo>
-                    <a:pt x="0" y="4055309"/>
+                    <a:pt x="0" y="4059006"/>
                   </a:moveTo>
                   <a:lnTo>
                     <a:pt x="0" y="0"/>
@@ -3648,15 +3648,15 @@
           </p:nvSpPr>
           <p:spPr>
             <a:xfrm>
-              <a:off x="5538102" y="1590617"/>
-              <a:ext cx="0" cy="4055309"/>
+              <a:off x="5537245" y="1590617"/>
+              <a:ext cx="0" cy="4059006"/>
             </a:xfrm>
             <a:custGeom>
               <a:avLst/>
               <a:pathLst>
-                <a:path w="0" h="4055309">
+                <a:path w="0" h="4059006">
                   <a:moveTo>
-                    <a:pt x="0" y="4055309"/>
+                    <a:pt x="0" y="4059006"/>
                   </a:moveTo>
                   <a:lnTo>
                     <a:pt x="0" y="0"/>
@@ -3691,15 +3691,15 @@
           </p:nvSpPr>
           <p:spPr>
             <a:xfrm>
-              <a:off x="7297322" y="1590617"/>
-              <a:ext cx="0" cy="4055309"/>
+              <a:off x="7296909" y="1590617"/>
+              <a:ext cx="0" cy="4059006"/>
             </a:xfrm>
             <a:custGeom>
               <a:avLst/>
               <a:pathLst>
-                <a:path w="0" h="4055309">
+                <a:path w="0" h="4059006">
                   <a:moveTo>
-                    <a:pt x="0" y="4055309"/>
+                    <a:pt x="0" y="4059006"/>
                   </a:moveTo>
                   <a:lnTo>
                     <a:pt x="0" y="0"/>
@@ -3734,8 +3734,8 @@
           </p:nvSpPr>
           <p:spPr>
             <a:xfrm>
-              <a:off x="2019661" y="1735449"/>
-              <a:ext cx="6781795" cy="868994"/>
+              <a:off x="2017917" y="1735581"/>
+              <a:ext cx="6783504" cy="869787"/>
             </a:xfrm>
             <a:prstGeom prst="rect">
               <a:avLst/>
@@ -3760,8 +3760,8 @@
           </p:nvSpPr>
           <p:spPr>
             <a:xfrm>
-              <a:off x="2019661" y="2700999"/>
-              <a:ext cx="6667446" cy="868994"/>
+              <a:off x="2017917" y="2702011"/>
+              <a:ext cx="6669126" cy="869787"/>
             </a:xfrm>
             <a:prstGeom prst="rect">
               <a:avLst/>
@@ -3786,8 +3786,8 @@
           </p:nvSpPr>
           <p:spPr>
             <a:xfrm>
-              <a:off x="2019661" y="3666549"/>
-              <a:ext cx="5101739" cy="868994"/>
+              <a:off x="2017917" y="3668441"/>
+              <a:ext cx="5103025" cy="869787"/>
             </a:xfrm>
             <a:prstGeom prst="rect">
               <a:avLst/>
@@ -3812,8 +3812,8 @@
           </p:nvSpPr>
           <p:spPr>
             <a:xfrm>
-              <a:off x="2019661" y="4632099"/>
-              <a:ext cx="5000584" cy="868994"/>
+              <a:off x="2017917" y="4634872"/>
+              <a:ext cx="5001844" cy="869787"/>
             </a:xfrm>
             <a:prstGeom prst="rect">
               <a:avLst/>
@@ -3838,7 +3838,7 @@
           </p:nvSpPr>
           <p:spPr>
             <a:xfrm>
-              <a:off x="8379149" y="2113823"/>
+              <a:off x="8379104" y="2114351"/>
               <a:ext cx="48909" cy="79556"/>
             </a:xfrm>
             <a:custGeom>
@@ -5087,7 +5087,7 @@
           </p:nvSpPr>
           <p:spPr>
             <a:xfrm>
-              <a:off x="8443938" y="2114934"/>
+              <a:off x="8443893" y="2115462"/>
               <a:ext cx="28212" cy="77386"/>
             </a:xfrm>
             <a:custGeom>
@@ -5379,7 +5379,7 @@
           </p:nvSpPr>
           <p:spPr>
             <a:xfrm>
-              <a:off x="8498564" y="2158815"/>
+              <a:off x="8498519" y="2159343"/>
               <a:ext cx="26254" cy="8892"/>
             </a:xfrm>
             <a:custGeom>
@@ -5422,7 +5422,7 @@
           </p:nvSpPr>
           <p:spPr>
             <a:xfrm>
-              <a:off x="8530323" y="2114511"/>
+              <a:off x="8530278" y="2115039"/>
               <a:ext cx="56319" cy="77810"/>
             </a:xfrm>
             <a:custGeom>
@@ -5486,7 +5486,7 @@
           </p:nvSpPr>
           <p:spPr>
             <a:xfrm>
-              <a:off x="8539745" y="2124462"/>
+              <a:off x="8539700" y="2124990"/>
               <a:ext cx="26995" cy="41710"/>
             </a:xfrm>
             <a:custGeom>
@@ -5769,7 +5769,7 @@
           </p:nvSpPr>
           <p:spPr>
             <a:xfrm>
-              <a:off x="8594001" y="2113717"/>
+              <a:off x="8593955" y="2114245"/>
               <a:ext cx="49438" cy="79662"/>
             </a:xfrm>
             <a:custGeom>
@@ -6280,7 +6280,7 @@
           </p:nvSpPr>
           <p:spPr>
             <a:xfrm>
-              <a:off x="8603793" y="2121974"/>
+              <a:off x="8603748" y="2122502"/>
               <a:ext cx="29906" cy="63200"/>
             </a:xfrm>
             <a:custGeom>
@@ -6791,7 +6791,7 @@
           </p:nvSpPr>
           <p:spPr>
             <a:xfrm>
-              <a:off x="8660801" y="2104665"/>
+              <a:off x="8660756" y="2105194"/>
               <a:ext cx="83421" cy="27948"/>
             </a:xfrm>
             <a:custGeom>
@@ -6858,7 +6858,7 @@
           </p:nvSpPr>
           <p:spPr>
             <a:xfrm>
-              <a:off x="8660801" y="2134307"/>
+              <a:off x="8660756" y="2134836"/>
               <a:ext cx="79186" cy="68600"/>
             </a:xfrm>
             <a:custGeom>
@@ -7180,7 +7180,7 @@
           </p:nvSpPr>
           <p:spPr>
             <a:xfrm>
-              <a:off x="8261677" y="3080061"/>
+              <a:off x="8261603" y="3081469"/>
               <a:ext cx="56319" cy="77810"/>
             </a:xfrm>
             <a:custGeom>
@@ -7244,7 +7244,7 @@
           </p:nvSpPr>
           <p:spPr>
             <a:xfrm>
-              <a:off x="8271099" y="3090012"/>
+              <a:off x="8271025" y="3091420"/>
               <a:ext cx="26995" cy="41710"/>
             </a:xfrm>
             <a:custGeom>
@@ -7527,7 +7527,7 @@
           </p:nvSpPr>
           <p:spPr>
             <a:xfrm>
-              <a:off x="8329589" y="3080484"/>
+              <a:off x="8329515" y="3081893"/>
               <a:ext cx="28212" cy="77386"/>
             </a:xfrm>
             <a:custGeom>
@@ -7819,7 +7819,7 @@
           </p:nvSpPr>
           <p:spPr>
             <a:xfrm>
-              <a:off x="8384215" y="3124365"/>
+              <a:off x="8384140" y="3125773"/>
               <a:ext cx="26254" cy="8892"/>
             </a:xfrm>
             <a:custGeom>
@@ -7862,7 +7862,7 @@
           </p:nvSpPr>
           <p:spPr>
             <a:xfrm>
-              <a:off x="8421691" y="3080484"/>
+              <a:off x="8421616" y="3081893"/>
               <a:ext cx="46739" cy="78445"/>
             </a:xfrm>
             <a:custGeom>
@@ -8754,7 +8754,7 @@
           </p:nvSpPr>
           <p:spPr>
             <a:xfrm>
-              <a:off x="8479651" y="3079267"/>
+              <a:off x="8479577" y="3080675"/>
               <a:ext cx="49438" cy="79662"/>
             </a:xfrm>
             <a:custGeom>
@@ -9265,7 +9265,7 @@
           </p:nvSpPr>
           <p:spPr>
             <a:xfrm>
-              <a:off x="8489444" y="3087524"/>
+              <a:off x="8489370" y="3088933"/>
               <a:ext cx="29906" cy="63200"/>
             </a:xfrm>
             <a:custGeom>
@@ -9776,7 +9776,7 @@
           </p:nvSpPr>
           <p:spPr>
             <a:xfrm>
-              <a:off x="8546452" y="3070215"/>
+              <a:off x="8546377" y="3071624"/>
               <a:ext cx="83421" cy="27948"/>
             </a:xfrm>
             <a:custGeom>
@@ -9843,7 +9843,7 @@
           </p:nvSpPr>
           <p:spPr>
             <a:xfrm>
-              <a:off x="8546452" y="3099857"/>
+              <a:off x="8546377" y="3101266"/>
               <a:ext cx="79186" cy="68600"/>
             </a:xfrm>
             <a:custGeom>
@@ -10165,7 +10165,7 @@
           </p:nvSpPr>
           <p:spPr>
             <a:xfrm>
-              <a:off x="6639174" y="4046034"/>
+              <a:off x="6638705" y="4048323"/>
               <a:ext cx="46739" cy="78445"/>
             </a:xfrm>
             <a:custGeom>
@@ -11057,7 +11057,7 @@
           </p:nvSpPr>
           <p:spPr>
             <a:xfrm>
-              <a:off x="6697135" y="4044817"/>
+              <a:off x="6696666" y="4047105"/>
               <a:ext cx="49438" cy="79662"/>
             </a:xfrm>
             <a:custGeom>
@@ -11568,7 +11568,7 @@
           </p:nvSpPr>
           <p:spPr>
             <a:xfrm>
-              <a:off x="6706927" y="4053074"/>
+              <a:off x="6706459" y="4055363"/>
               <a:ext cx="29906" cy="63200"/>
             </a:xfrm>
             <a:custGeom>
@@ -12079,7 +12079,7 @@
           </p:nvSpPr>
           <p:spPr>
             <a:xfrm>
-              <a:off x="6763935" y="4035765"/>
+              <a:off x="6763466" y="4038054"/>
               <a:ext cx="83421" cy="27948"/>
             </a:xfrm>
             <a:custGeom>
@@ -12146,7 +12146,7 @@
           </p:nvSpPr>
           <p:spPr>
             <a:xfrm>
-              <a:off x="6763935" y="4065407"/>
+              <a:off x="6763466" y="4067696"/>
               <a:ext cx="79186" cy="68600"/>
             </a:xfrm>
             <a:custGeom>
@@ -12468,7 +12468,7 @@
           </p:nvSpPr>
           <p:spPr>
             <a:xfrm>
-              <a:off x="6897748" y="4035765"/>
+              <a:off x="6897279" y="4038054"/>
               <a:ext cx="65212" cy="97395"/>
             </a:xfrm>
             <a:custGeom>
@@ -12721,7 +12721,7 @@
           </p:nvSpPr>
           <p:spPr>
             <a:xfrm>
-              <a:off x="6874034" y="4040000"/>
+              <a:off x="6873565" y="4042288"/>
               <a:ext cx="38958" cy="77916"/>
             </a:xfrm>
             <a:custGeom>
@@ -12827,7 +12827,7 @@
           </p:nvSpPr>
           <p:spPr>
             <a:xfrm>
-              <a:off x="6893090" y="4045928"/>
+              <a:off x="6892621" y="4048217"/>
               <a:ext cx="24983" cy="33876"/>
             </a:xfrm>
             <a:custGeom>
@@ -12924,7 +12924,7 @@
           </p:nvSpPr>
           <p:spPr>
             <a:xfrm>
-              <a:off x="6976934" y="4037459"/>
+              <a:off x="6976465" y="4039748"/>
               <a:ext cx="92313" cy="91043"/>
             </a:xfrm>
             <a:custGeom>
@@ -12991,7 +12991,7 @@
           </p:nvSpPr>
           <p:spPr>
             <a:xfrm>
-              <a:off x="6603020" y="5011584"/>
+              <a:off x="6602525" y="5014753"/>
               <a:ext cx="28212" cy="77386"/>
             </a:xfrm>
             <a:custGeom>
@@ -13283,7 +13283,7 @@
           </p:nvSpPr>
           <p:spPr>
             <a:xfrm>
-              <a:off x="6658916" y="5010366"/>
+              <a:off x="6658422" y="5013535"/>
               <a:ext cx="48591" cy="79662"/>
             </a:xfrm>
             <a:custGeom>
@@ -14274,7 +14274,7 @@
           </p:nvSpPr>
           <p:spPr>
             <a:xfrm>
-              <a:off x="6668391" y="5052130"/>
+              <a:off x="6667897" y="5055299"/>
               <a:ext cx="29694" cy="29906"/>
             </a:xfrm>
             <a:custGeom>
@@ -14728,7 +14728,7 @@
           </p:nvSpPr>
           <p:spPr>
             <a:xfrm>
-              <a:off x="6670879" y="5018412"/>
+              <a:off x="6670384" y="5021581"/>
               <a:ext cx="24719" cy="25672"/>
             </a:xfrm>
             <a:custGeom>
@@ -15119,7 +15119,7 @@
           </p:nvSpPr>
           <p:spPr>
             <a:xfrm>
-              <a:off x="6717353" y="5055465"/>
+              <a:off x="6716859" y="5058634"/>
               <a:ext cx="26254" cy="8892"/>
             </a:xfrm>
             <a:custGeom>
@@ -15162,7 +15162,7 @@
           </p:nvSpPr>
           <p:spPr>
             <a:xfrm>
-              <a:off x="6752235" y="5010472"/>
+              <a:off x="6751741" y="5013641"/>
               <a:ext cx="48909" cy="79556"/>
             </a:xfrm>
             <a:custGeom>
@@ -16411,7 +16411,7 @@
           </p:nvSpPr>
           <p:spPr>
             <a:xfrm>
-              <a:off x="6812790" y="5010366"/>
+              <a:off x="6812295" y="5013535"/>
               <a:ext cx="49438" cy="79662"/>
             </a:xfrm>
             <a:custGeom>
@@ -16922,7 +16922,7 @@
           </p:nvSpPr>
           <p:spPr>
             <a:xfrm>
-              <a:off x="6822582" y="5018624"/>
+              <a:off x="6822088" y="5021793"/>
               <a:ext cx="29906" cy="63200"/>
             </a:xfrm>
             <a:custGeom>
@@ -17433,7 +17433,7 @@
           </p:nvSpPr>
           <p:spPr>
             <a:xfrm>
-              <a:off x="6879590" y="5001315"/>
+              <a:off x="6879096" y="5004484"/>
               <a:ext cx="83421" cy="27948"/>
             </a:xfrm>
             <a:custGeom>
@@ -17500,7 +17500,7 @@
           </p:nvSpPr>
           <p:spPr>
             <a:xfrm>
-              <a:off x="6879590" y="5030957"/>
+              <a:off x="6879096" y="5034126"/>
               <a:ext cx="79186" cy="68600"/>
             </a:xfrm>
             <a:custGeom>
@@ -17822,8 +17822,8 @@
           </p:nvSpPr>
           <p:spPr>
             <a:xfrm>
-              <a:off x="2019661" y="1590617"/>
-              <a:ext cx="6917431" cy="4055309"/>
+              <a:off x="2017917" y="1590617"/>
+              <a:ext cx="6919174" cy="4059006"/>
             </a:xfrm>
             <a:prstGeom prst="rect">
               <a:avLst/>
@@ -17852,7 +17852,7 @@
           </p:nvSpPr>
           <p:spPr>
             <a:xfrm>
-              <a:off x="1924402" y="5028151"/>
+              <a:off x="1922659" y="5031320"/>
               <a:ext cx="59863" cy="76889"/>
             </a:xfrm>
             <a:custGeom>
@@ -17916,7 +17916,7 @@
           </p:nvSpPr>
           <p:spPr>
             <a:xfrm>
-              <a:off x="1936899" y="5042138"/>
+              <a:off x="1935155" y="5045307"/>
               <a:ext cx="22952" cy="35836"/>
             </a:xfrm>
             <a:custGeom>
@@ -18193,7 +18193,7 @@
           </p:nvSpPr>
           <p:spPr>
             <a:xfrm>
-              <a:off x="1925275" y="4061456"/>
+              <a:off x="1923532" y="4063744"/>
               <a:ext cx="55552" cy="79290"/>
             </a:xfrm>
             <a:custGeom>
@@ -19116,7 +19116,7 @@
                     <a:pt x="26919" y="13"/>
                   </a:lnTo>
                   <a:lnTo>
-                    <a:pt x="27939" y="0"/>
+                    <a:pt x="27940" y="0"/>
                   </a:lnTo>
                   <a:lnTo>
                     <a:pt x="29274" y="16"/>
@@ -19502,7 +19502,7 @@
           </p:nvSpPr>
           <p:spPr>
             <a:xfrm>
-              <a:off x="1926585" y="3095906"/>
+              <a:off x="1924841" y="3097314"/>
               <a:ext cx="53806" cy="78035"/>
             </a:xfrm>
             <a:custGeom>
@@ -20268,7 +20268,7 @@
           </p:nvSpPr>
           <p:spPr>
             <a:xfrm>
-              <a:off x="1929750" y="2131502"/>
+              <a:off x="1928007" y="2132030"/>
               <a:ext cx="52005" cy="76889"/>
             </a:xfrm>
             <a:custGeom>
@@ -20332,7 +20332,7 @@
           </p:nvSpPr>
           <p:spPr>
             <a:xfrm>
-              <a:off x="1984866" y="5066596"/>
+              <a:off x="1983123" y="5069765"/>
               <a:ext cx="34794" cy="0"/>
             </a:xfrm>
             <a:custGeom>
@@ -20372,7 +20372,7 @@
           </p:nvSpPr>
           <p:spPr>
             <a:xfrm>
-              <a:off x="1984866" y="4101046"/>
+              <a:off x="1983123" y="4103335"/>
               <a:ext cx="34794" cy="0"/>
             </a:xfrm>
             <a:custGeom>
@@ -20412,7 +20412,7 @@
           </p:nvSpPr>
           <p:spPr>
             <a:xfrm>
-              <a:off x="1984866" y="3135496"/>
+              <a:off x="1983123" y="3136905"/>
               <a:ext cx="34794" cy="0"/>
             </a:xfrm>
             <a:custGeom>
@@ -20452,7 +20452,7 @@
           </p:nvSpPr>
           <p:spPr>
             <a:xfrm>
-              <a:off x="1984866" y="2169947"/>
+              <a:off x="1983123" y="2170475"/>
               <a:ext cx="34794" cy="0"/>
             </a:xfrm>
             <a:custGeom>
@@ -20492,7 +20492,7 @@
           </p:nvSpPr>
           <p:spPr>
             <a:xfrm>
-              <a:off x="2019661" y="5645926"/>
+              <a:off x="2017917" y="5649623"/>
               <a:ext cx="0" cy="34794"/>
             </a:xfrm>
             <a:custGeom>
@@ -20532,7 +20532,7 @@
           </p:nvSpPr>
           <p:spPr>
             <a:xfrm>
-              <a:off x="3778881" y="5645926"/>
+              <a:off x="3777581" y="5649623"/>
               <a:ext cx="0" cy="34794"/>
             </a:xfrm>
             <a:custGeom>
@@ -20572,7 +20572,7 @@
           </p:nvSpPr>
           <p:spPr>
             <a:xfrm>
-              <a:off x="5538102" y="5645926"/>
+              <a:off x="5537245" y="5649623"/>
               <a:ext cx="0" cy="34794"/>
             </a:xfrm>
             <a:custGeom>
@@ -20612,7 +20612,7 @@
           </p:nvSpPr>
           <p:spPr>
             <a:xfrm>
-              <a:off x="7297322" y="5645926"/>
+              <a:off x="7296909" y="5649623"/>
               <a:ext cx="0" cy="34794"/>
             </a:xfrm>
             <a:custGeom>
@@ -20652,7 +20652,7 @@
           </p:nvSpPr>
           <p:spPr>
             <a:xfrm>
-              <a:off x="1992948" y="5707410"/>
+              <a:off x="1991205" y="5711107"/>
               <a:ext cx="53424" cy="79126"/>
             </a:xfrm>
             <a:custGeom>
@@ -21095,7 +21095,7 @@
                     <a:pt x="48312" y="12306"/>
                   </a:lnTo>
                   <a:lnTo>
-                    <a:pt x="48894" y="13492"/>
+                    <a:pt x="48895" y="13492"/>
                   </a:lnTo>
                   <a:lnTo>
                     <a:pt x="49447" y="14740"/>
@@ -21163,7 +21163,7 @@
           </p:nvSpPr>
           <p:spPr>
             <a:xfrm>
-              <a:off x="2002880" y="5715377"/>
+              <a:off x="2001137" y="5719075"/>
               <a:ext cx="33506" cy="63137"/>
             </a:xfrm>
             <a:custGeom>
@@ -21674,7 +21674,7 @@
           </p:nvSpPr>
           <p:spPr>
             <a:xfrm>
-              <a:off x="3688213" y="5708556"/>
+              <a:off x="3686913" y="5712253"/>
               <a:ext cx="56316" cy="76889"/>
             </a:xfrm>
             <a:custGeom>
@@ -21738,7 +21738,7 @@
           </p:nvSpPr>
           <p:spPr>
             <a:xfrm>
-              <a:off x="3697271" y="5720283"/>
+              <a:off x="3695971" y="5723981"/>
               <a:ext cx="27176" cy="40005"/>
             </a:xfrm>
             <a:custGeom>
@@ -21952,7 +21952,7 @@
           </p:nvSpPr>
           <p:spPr>
             <a:xfrm>
-              <a:off x="3752169" y="5707410"/>
+              <a:off x="3750869" y="5711107"/>
               <a:ext cx="53424" cy="79126"/>
             </a:xfrm>
             <a:custGeom>
@@ -22463,7 +22463,7 @@
           </p:nvSpPr>
           <p:spPr>
             <a:xfrm>
-              <a:off x="3762101" y="5715377"/>
+              <a:off x="3760801" y="5719075"/>
               <a:ext cx="33506" cy="63137"/>
             </a:xfrm>
             <a:custGeom>
@@ -22974,7 +22974,7 @@
           </p:nvSpPr>
           <p:spPr>
             <a:xfrm>
-              <a:off x="3814325" y="5707410"/>
+              <a:off x="3813025" y="5711107"/>
               <a:ext cx="53424" cy="79126"/>
             </a:xfrm>
             <a:custGeom>
@@ -23485,7 +23485,7 @@
           </p:nvSpPr>
           <p:spPr>
             <a:xfrm>
-              <a:off x="3824256" y="5715377"/>
+              <a:off x="3822956" y="5719075"/>
               <a:ext cx="33506" cy="63137"/>
             </a:xfrm>
             <a:custGeom>
@@ -23996,7 +23996,7 @@
           </p:nvSpPr>
           <p:spPr>
             <a:xfrm>
-              <a:off x="5449725" y="5707410"/>
+              <a:off x="5448869" y="5711107"/>
               <a:ext cx="52442" cy="79126"/>
             </a:xfrm>
             <a:custGeom>
@@ -24993,7 +24993,7 @@
           </p:nvSpPr>
           <p:spPr>
             <a:xfrm>
-              <a:off x="5461567" y="5714723"/>
+              <a:off x="5460710" y="5718420"/>
               <a:ext cx="28485" cy="26575"/>
             </a:xfrm>
             <a:custGeom>
@@ -25504,7 +25504,7 @@
           </p:nvSpPr>
           <p:spPr>
             <a:xfrm>
-              <a:off x="5459875" y="5748665"/>
+              <a:off x="5459019" y="5752363"/>
               <a:ext cx="32087" cy="30504"/>
             </a:xfrm>
             <a:custGeom>
@@ -26015,7 +26015,7 @@
           </p:nvSpPr>
           <p:spPr>
             <a:xfrm>
-              <a:off x="5511390" y="5707410"/>
+              <a:off x="5510533" y="5711107"/>
               <a:ext cx="53424" cy="79126"/>
             </a:xfrm>
             <a:custGeom>
@@ -26526,7 +26526,7 @@
           </p:nvSpPr>
           <p:spPr>
             <a:xfrm>
-              <a:off x="5521321" y="5715377"/>
+              <a:off x="5520465" y="5719075"/>
               <a:ext cx="33506" cy="63137"/>
             </a:xfrm>
             <a:custGeom>
@@ -27037,7 +27037,7 @@
           </p:nvSpPr>
           <p:spPr>
             <a:xfrm>
-              <a:off x="5573545" y="5707410"/>
+              <a:off x="5572689" y="5711107"/>
               <a:ext cx="53424" cy="79126"/>
             </a:xfrm>
             <a:custGeom>
@@ -27548,7 +27548,7 @@
           </p:nvSpPr>
           <p:spPr>
             <a:xfrm>
-              <a:off x="5583477" y="5715377"/>
+              <a:off x="5582620" y="5719075"/>
               <a:ext cx="33506" cy="63137"/>
             </a:xfrm>
             <a:custGeom>
@@ -28059,7 +28059,7 @@
           </p:nvSpPr>
           <p:spPr>
             <a:xfrm>
-              <a:off x="7181524" y="5708556"/>
+              <a:off x="7181111" y="5712253"/>
               <a:ext cx="48185" cy="76889"/>
             </a:xfrm>
             <a:custGeom>
@@ -28123,7 +28123,7 @@
           </p:nvSpPr>
           <p:spPr>
             <a:xfrm>
-              <a:off x="7240788" y="5707410"/>
+              <a:off x="7240374" y="5711107"/>
               <a:ext cx="50914" cy="78035"/>
             </a:xfrm>
             <a:custGeom>
@@ -29069,7 +29069,7 @@
           </p:nvSpPr>
           <p:spPr>
             <a:xfrm>
-              <a:off x="7301688" y="5707410"/>
+              <a:off x="7301275" y="5711107"/>
               <a:ext cx="53424" cy="79126"/>
             </a:xfrm>
             <a:custGeom>
@@ -29580,7 +29580,7 @@
           </p:nvSpPr>
           <p:spPr>
             <a:xfrm>
-              <a:off x="7311620" y="5715377"/>
+              <a:off x="7311207" y="5719075"/>
               <a:ext cx="33506" cy="63137"/>
             </a:xfrm>
             <a:custGeom>
@@ -30091,7 +30091,7 @@
           </p:nvSpPr>
           <p:spPr>
             <a:xfrm>
-              <a:off x="7363844" y="5707410"/>
+              <a:off x="7363430" y="5711107"/>
               <a:ext cx="53424" cy="79126"/>
             </a:xfrm>
             <a:custGeom>
@@ -30602,7 +30602,7 @@
           </p:nvSpPr>
           <p:spPr>
             <a:xfrm>
-              <a:off x="7373775" y="5715377"/>
+              <a:off x="7373362" y="5719075"/>
               <a:ext cx="33506" cy="63137"/>
             </a:xfrm>
             <a:custGeom>
